--- a/lectures/j2ee. Lecture 2.pptx
+++ b/lectures/j2ee. Lecture 2.pptx
@@ -308,7 +308,7 @@
             <a:fld id="{04794622-6F41-4D08-898D-573420FBC607}" type="datetimeFigureOut">
               <a:rPr lang="ru-RU" smtClean="0"/>
               <a:pPr/>
-              <a:t>14.10.2013</a:t>
+              <a:t>15.10.2013</a:t>
             </a:fld>
             <a:endParaRPr lang="ru-RU"/>
           </a:p>
@@ -475,7 +475,7 @@
             <a:fld id="{04794622-6F41-4D08-898D-573420FBC607}" type="datetimeFigureOut">
               <a:rPr lang="ru-RU" smtClean="0"/>
               <a:pPr/>
-              <a:t>14.10.2013</a:t>
+              <a:t>15.10.2013</a:t>
             </a:fld>
             <a:endParaRPr lang="ru-RU"/>
           </a:p>
@@ -652,7 +652,7 @@
             <a:fld id="{04794622-6F41-4D08-898D-573420FBC607}" type="datetimeFigureOut">
               <a:rPr lang="ru-RU" smtClean="0"/>
               <a:pPr/>
-              <a:t>14.10.2013</a:t>
+              <a:t>15.10.2013</a:t>
             </a:fld>
             <a:endParaRPr lang="ru-RU"/>
           </a:p>
@@ -819,7 +819,7 @@
             <a:fld id="{04794622-6F41-4D08-898D-573420FBC607}" type="datetimeFigureOut">
               <a:rPr lang="ru-RU" smtClean="0"/>
               <a:pPr/>
-              <a:t>14.10.2013</a:t>
+              <a:t>15.10.2013</a:t>
             </a:fld>
             <a:endParaRPr lang="ru-RU"/>
           </a:p>
@@ -1062,7 +1062,7 @@
             <a:fld id="{04794622-6F41-4D08-898D-573420FBC607}" type="datetimeFigureOut">
               <a:rPr lang="ru-RU" smtClean="0"/>
               <a:pPr/>
-              <a:t>14.10.2013</a:t>
+              <a:t>15.10.2013</a:t>
             </a:fld>
             <a:endParaRPr lang="ru-RU"/>
           </a:p>
@@ -1347,7 +1347,7 @@
             <a:fld id="{04794622-6F41-4D08-898D-573420FBC607}" type="datetimeFigureOut">
               <a:rPr lang="ru-RU" smtClean="0"/>
               <a:pPr/>
-              <a:t>14.10.2013</a:t>
+              <a:t>15.10.2013</a:t>
             </a:fld>
             <a:endParaRPr lang="ru-RU"/>
           </a:p>
@@ -1766,7 +1766,7 @@
             <a:fld id="{04794622-6F41-4D08-898D-573420FBC607}" type="datetimeFigureOut">
               <a:rPr lang="ru-RU" smtClean="0"/>
               <a:pPr/>
-              <a:t>14.10.2013</a:t>
+              <a:t>15.10.2013</a:t>
             </a:fld>
             <a:endParaRPr lang="ru-RU"/>
           </a:p>
@@ -1881,7 +1881,7 @@
             <a:fld id="{04794622-6F41-4D08-898D-573420FBC607}" type="datetimeFigureOut">
               <a:rPr lang="ru-RU" smtClean="0"/>
               <a:pPr/>
-              <a:t>14.10.2013</a:t>
+              <a:t>15.10.2013</a:t>
             </a:fld>
             <a:endParaRPr lang="ru-RU"/>
           </a:p>
@@ -1973,7 +1973,7 @@
             <a:fld id="{04794622-6F41-4D08-898D-573420FBC607}" type="datetimeFigureOut">
               <a:rPr lang="ru-RU" smtClean="0"/>
               <a:pPr/>
-              <a:t>14.10.2013</a:t>
+              <a:t>15.10.2013</a:t>
             </a:fld>
             <a:endParaRPr lang="ru-RU"/>
           </a:p>
@@ -2247,7 +2247,7 @@
             <a:fld id="{04794622-6F41-4D08-898D-573420FBC607}" type="datetimeFigureOut">
               <a:rPr lang="ru-RU" smtClean="0"/>
               <a:pPr/>
-              <a:t>14.10.2013</a:t>
+              <a:t>15.10.2013</a:t>
             </a:fld>
             <a:endParaRPr lang="ru-RU"/>
           </a:p>
@@ -2497,7 +2497,7 @@
             <a:fld id="{04794622-6F41-4D08-898D-573420FBC607}" type="datetimeFigureOut">
               <a:rPr lang="ru-RU" smtClean="0"/>
               <a:pPr/>
-              <a:t>14.10.2013</a:t>
+              <a:t>15.10.2013</a:t>
             </a:fld>
             <a:endParaRPr lang="ru-RU"/>
           </a:p>
@@ -2707,7 +2707,7 @@
             <a:fld id="{04794622-6F41-4D08-898D-573420FBC607}" type="datetimeFigureOut">
               <a:rPr lang="ru-RU" smtClean="0"/>
               <a:pPr/>
-              <a:t>14.10.2013</a:t>
+              <a:t>15.10.2013</a:t>
             </a:fld>
             <a:endParaRPr lang="ru-RU"/>
           </a:p>
@@ -3128,13 +3128,26 @@
           <a:p>
             <a:r>
               <a:rPr lang="ru-RU" dirty="0" smtClean="0"/>
-              <a:t>Лекция 1.</a:t>
-            </a:r>
-          </a:p>
-          <a:p>
+              <a:t>Лекция </a:t>
+            </a:r>
+            <a:r>
+              <a:rPr lang="en-US" dirty="0" smtClean="0"/>
+              <a:t>2</a:t>
+            </a:r>
             <a:r>
               <a:rPr lang="ru-RU" dirty="0" smtClean="0"/>
-              <a:t>Введение</a:t>
+              <a:t>.</a:t>
+            </a:r>
+            <a:endParaRPr lang="ru-RU" dirty="0" smtClean="0"/>
+          </a:p>
+          <a:p>
+            <a:r>
+              <a:rPr lang="ru-RU" dirty="0" smtClean="0"/>
+              <a:t>Сервер приложени</a:t>
+            </a:r>
+            <a:r>
+              <a:rPr lang="ru-RU" dirty="0"/>
+              <a:t>й</a:t>
             </a:r>
             <a:endParaRPr lang="ru-RU" dirty="0"/>
           </a:p>
@@ -3685,11 +3698,7 @@
             </a:pPr>
             <a:r>
               <a:rPr lang="en-US" dirty="0" smtClean="0"/>
-              <a:t>.war – </a:t>
-            </a:r>
-            <a:r>
-              <a:rPr lang="en-US" dirty="0" smtClean="0"/>
-              <a:t>Web</a:t>
+              <a:t>.war – Web</a:t>
             </a:r>
             <a:r>
               <a:rPr lang="ru-RU" dirty="0" smtClean="0"/>
@@ -7179,10 +7188,6 @@
               </a:rPr>
               <a:t>-application&gt;</a:t>
             </a:r>
-            <a:endParaRPr lang="en-US" sz="1600" b="1" dirty="0">
-              <a:latin typeface="Courier New" pitchFamily="49" charset="0"/>
-              <a:cs typeface="Courier New" pitchFamily="49" charset="0"/>
-            </a:endParaRPr>
           </a:p>
         </p:txBody>
       </p:sp>
@@ -8117,9 +8122,6 @@
               </a:rPr>
               <a:t>в ваш созданный домен</a:t>
             </a:r>
-            <a:endParaRPr lang="ru-RU" dirty="0" smtClean="0">
-              <a:cs typeface="Courier New" pitchFamily="49" charset="0"/>
-            </a:endParaRPr>
           </a:p>
         </p:txBody>
       </p:sp>
@@ -8506,8 +8508,20 @@
                   </a:schemeClr>
                 </a:solidFill>
               </a:rPr>
-              <a:t>Какие проблемы Вы здесь видите</a:t>
-            </a:r>
+              <a:t>Какие проблемы Вы здесь видите?</a:t>
+            </a:r>
+          </a:p>
+          <a:p>
+            <a:pPr marL="342900" indent="-342900">
+              <a:buClr>
+                <a:schemeClr val="tx1">
+                  <a:lumMod val="85000"/>
+                  <a:lumOff val="15000"/>
+                </a:schemeClr>
+              </a:buClr>
+              <a:buFont typeface="+mj-lt"/>
+              <a:buAutoNum type="arabicPeriod"/>
+            </a:pPr>
             <a:r>
               <a:rPr lang="ru-RU" dirty="0" smtClean="0">
                 <a:solidFill>
@@ -8517,7 +8531,7 @@
                   </a:schemeClr>
                 </a:solidFill>
               </a:rPr>
-              <a:t>?</a:t>
+              <a:t>А что если нам необходимо загрузить обновление нашей программы?</a:t>
             </a:r>
           </a:p>
           <a:p>
@@ -8540,7 +8554,7 @@
                   </a:schemeClr>
                 </a:solidFill>
               </a:rPr>
-              <a:t>А что если нам необходимо загрузить обновление нашей программы?</a:t>
+              <a:t>А что если нам необходимо соединение с базой данных, как мы это обеспечим?</a:t>
             </a:r>
           </a:p>
           <a:p>
@@ -8563,7 +8577,7 @@
                   </a:schemeClr>
                 </a:solidFill>
               </a:rPr>
-              <a:t>А что если нам необходимо соединение с базой данных, как мы это обеспечим?</a:t>
+              <a:t>Как будет проводится управлением временем жизни ресурсов?</a:t>
             </a:r>
           </a:p>
           <a:p>
@@ -8586,39 +8600,8 @@
                   </a:schemeClr>
                 </a:solidFill>
               </a:rPr>
-              <a:t>Как будет проводится управлением временем жизни ресурсов?</a:t>
-            </a:r>
-          </a:p>
-          <a:p>
-            <a:pPr marL="342900" indent="-342900">
-              <a:buClr>
-                <a:schemeClr val="tx1">
-                  <a:lumMod val="85000"/>
-                  <a:lumOff val="15000"/>
-                </a:schemeClr>
-              </a:buClr>
-              <a:buFont typeface="+mj-lt"/>
-              <a:buAutoNum type="arabicPeriod"/>
-            </a:pPr>
-            <a:r>
-              <a:rPr lang="ru-RU" dirty="0" smtClean="0">
-                <a:solidFill>
-                  <a:schemeClr val="tx1">
-                    <a:lumMod val="85000"/>
-                    <a:lumOff val="15000"/>
-                  </a:schemeClr>
-                </a:solidFill>
-              </a:rPr>
               <a:t>…</a:t>
             </a:r>
-            <a:endParaRPr lang="ru-RU" dirty="0" smtClean="0">
-              <a:solidFill>
-                <a:schemeClr val="tx1">
-                  <a:lumMod val="85000"/>
-                  <a:lumOff val="15000"/>
-                </a:schemeClr>
-              </a:solidFill>
-            </a:endParaRPr>
           </a:p>
         </p:txBody>
       </p:sp>

--- a/lectures/j2ee. Lecture 2.pptx
+++ b/lectures/j2ee. Lecture 2.pptx
@@ -3138,7 +3138,6 @@
               <a:rPr lang="ru-RU" dirty="0" smtClean="0"/>
               <a:t>.</a:t>
             </a:r>
-            <a:endParaRPr lang="ru-RU" dirty="0" smtClean="0"/>
           </a:p>
           <a:p>
             <a:r>
@@ -3149,7 +3148,6 @@
               <a:rPr lang="ru-RU" dirty="0"/>
               <a:t>й</a:t>
             </a:r>
-            <a:endParaRPr lang="ru-RU" dirty="0"/>
           </a:p>
         </p:txBody>
       </p:sp>
@@ -8577,7 +8575,40 @@
                   </a:schemeClr>
                 </a:solidFill>
               </a:rPr>
-              <a:t>Как будет проводится управлением временем жизни ресурсов?</a:t>
+              <a:t>Как будет </a:t>
+            </a:r>
+            <a:r>
+              <a:rPr lang="ru-RU" smtClean="0">
+                <a:solidFill>
+                  <a:schemeClr val="tx1">
+                    <a:lumMod val="85000"/>
+                    <a:lumOff val="15000"/>
+                  </a:schemeClr>
+                </a:solidFill>
+              </a:rPr>
+              <a:t>проводится </a:t>
+            </a:r>
+            <a:r>
+              <a:rPr lang="ru-RU" smtClean="0">
+                <a:solidFill>
+                  <a:schemeClr val="tx1">
+                    <a:lumMod val="85000"/>
+                    <a:lumOff val="15000"/>
+                  </a:schemeClr>
+                </a:solidFill>
+              </a:rPr>
+              <a:t>управление </a:t>
+            </a:r>
+            <a:r>
+              <a:rPr lang="ru-RU" dirty="0" smtClean="0">
+                <a:solidFill>
+                  <a:schemeClr val="tx1">
+                    <a:lumMod val="85000"/>
+                    <a:lumOff val="15000"/>
+                  </a:schemeClr>
+                </a:solidFill>
+              </a:rPr>
+              <a:t>временем жизни ресурсов?</a:t>
             </a:r>
           </a:p>
           <a:p>

--- a/lectures/j2ee. Lecture 2.pptx
+++ b/lectures/j2ee. Lecture 2.pptx
@@ -16,15 +16,16 @@
     <p:sldId id="293" r:id="rId10"/>
     <p:sldId id="294" r:id="rId11"/>
     <p:sldId id="295" r:id="rId12"/>
-    <p:sldId id="279" r:id="rId13"/>
-    <p:sldId id="296" r:id="rId14"/>
-    <p:sldId id="297" r:id="rId15"/>
-    <p:sldId id="298" r:id="rId16"/>
-    <p:sldId id="299" r:id="rId17"/>
-    <p:sldId id="300" r:id="rId18"/>
-    <p:sldId id="301" r:id="rId19"/>
-    <p:sldId id="302" r:id="rId20"/>
-    <p:sldId id="289" r:id="rId21"/>
+    <p:sldId id="303" r:id="rId13"/>
+    <p:sldId id="279" r:id="rId14"/>
+    <p:sldId id="296" r:id="rId15"/>
+    <p:sldId id="297" r:id="rId16"/>
+    <p:sldId id="298" r:id="rId17"/>
+    <p:sldId id="299" r:id="rId18"/>
+    <p:sldId id="300" r:id="rId19"/>
+    <p:sldId id="301" r:id="rId20"/>
+    <p:sldId id="302" r:id="rId21"/>
+    <p:sldId id="289" r:id="rId22"/>
   </p:sldIdLst>
   <p:sldSz cx="9144000" cy="6858000" type="screen4x3"/>
   <p:notesSz cx="6858000" cy="9144000"/>
@@ -123,6 +124,22 @@
       </a:defRPr>
     </a:lvl9pPr>
   </p:defaultTextStyle>
+  <p:extLst>
+    <p:ext uri="{EFAFB233-063F-42B5-8137-9DF3F51BA10A}">
+      <p15:sldGuideLst xmlns:p15="http://schemas.microsoft.com/office/powerpoint/2012/main">
+        <p15:guide id="1" orient="horz" pos="2160">
+          <p15:clr>
+            <a:srgbClr val="A4A3A4"/>
+          </p15:clr>
+        </p15:guide>
+        <p15:guide id="2" pos="2880">
+          <p15:clr>
+            <a:srgbClr val="A4A3A4"/>
+          </p15:clr>
+        </p15:guide>
+      </p15:sldGuideLst>
+    </p:ext>
+  </p:extLst>
 </p:presentation>
 </file>
 
@@ -308,7 +325,7 @@
             <a:fld id="{04794622-6F41-4D08-898D-573420FBC607}" type="datetimeFigureOut">
               <a:rPr lang="ru-RU" smtClean="0"/>
               <a:pPr/>
-              <a:t>15.10.2013</a:t>
+              <a:t>вс 18.10.15</a:t>
             </a:fld>
             <a:endParaRPr lang="ru-RU"/>
           </a:p>
@@ -475,7 +492,7 @@
             <a:fld id="{04794622-6F41-4D08-898D-573420FBC607}" type="datetimeFigureOut">
               <a:rPr lang="ru-RU" smtClean="0"/>
               <a:pPr/>
-              <a:t>15.10.2013</a:t>
+              <a:t>вс 18.10.15</a:t>
             </a:fld>
             <a:endParaRPr lang="ru-RU"/>
           </a:p>
@@ -652,7 +669,7 @@
             <a:fld id="{04794622-6F41-4D08-898D-573420FBC607}" type="datetimeFigureOut">
               <a:rPr lang="ru-RU" smtClean="0"/>
               <a:pPr/>
-              <a:t>15.10.2013</a:t>
+              <a:t>вс 18.10.15</a:t>
             </a:fld>
             <a:endParaRPr lang="ru-RU"/>
           </a:p>
@@ -819,7 +836,7 @@
             <a:fld id="{04794622-6F41-4D08-898D-573420FBC607}" type="datetimeFigureOut">
               <a:rPr lang="ru-RU" smtClean="0"/>
               <a:pPr/>
-              <a:t>15.10.2013</a:t>
+              <a:t>вс 18.10.15</a:t>
             </a:fld>
             <a:endParaRPr lang="ru-RU"/>
           </a:p>
@@ -1062,7 +1079,7 @@
             <a:fld id="{04794622-6F41-4D08-898D-573420FBC607}" type="datetimeFigureOut">
               <a:rPr lang="ru-RU" smtClean="0"/>
               <a:pPr/>
-              <a:t>15.10.2013</a:t>
+              <a:t>вс 18.10.15</a:t>
             </a:fld>
             <a:endParaRPr lang="ru-RU"/>
           </a:p>
@@ -1347,7 +1364,7 @@
             <a:fld id="{04794622-6F41-4D08-898D-573420FBC607}" type="datetimeFigureOut">
               <a:rPr lang="ru-RU" smtClean="0"/>
               <a:pPr/>
-              <a:t>15.10.2013</a:t>
+              <a:t>вс 18.10.15</a:t>
             </a:fld>
             <a:endParaRPr lang="ru-RU"/>
           </a:p>
@@ -1766,7 +1783,7 @@
             <a:fld id="{04794622-6F41-4D08-898D-573420FBC607}" type="datetimeFigureOut">
               <a:rPr lang="ru-RU" smtClean="0"/>
               <a:pPr/>
-              <a:t>15.10.2013</a:t>
+              <a:t>вс 18.10.15</a:t>
             </a:fld>
             <a:endParaRPr lang="ru-RU"/>
           </a:p>
@@ -1881,7 +1898,7 @@
             <a:fld id="{04794622-6F41-4D08-898D-573420FBC607}" type="datetimeFigureOut">
               <a:rPr lang="ru-RU" smtClean="0"/>
               <a:pPr/>
-              <a:t>15.10.2013</a:t>
+              <a:t>вс 18.10.15</a:t>
             </a:fld>
             <a:endParaRPr lang="ru-RU"/>
           </a:p>
@@ -1973,7 +1990,7 @@
             <a:fld id="{04794622-6F41-4D08-898D-573420FBC607}" type="datetimeFigureOut">
               <a:rPr lang="ru-RU" smtClean="0"/>
               <a:pPr/>
-              <a:t>15.10.2013</a:t>
+              <a:t>вс 18.10.15</a:t>
             </a:fld>
             <a:endParaRPr lang="ru-RU"/>
           </a:p>
@@ -2247,7 +2264,7 @@
             <a:fld id="{04794622-6F41-4D08-898D-573420FBC607}" type="datetimeFigureOut">
               <a:rPr lang="ru-RU" smtClean="0"/>
               <a:pPr/>
-              <a:t>15.10.2013</a:t>
+              <a:t>вс 18.10.15</a:t>
             </a:fld>
             <a:endParaRPr lang="ru-RU"/>
           </a:p>
@@ -2497,7 +2514,7 @@
             <a:fld id="{04794622-6F41-4D08-898D-573420FBC607}" type="datetimeFigureOut">
               <a:rPr lang="ru-RU" smtClean="0"/>
               <a:pPr/>
-              <a:t>15.10.2013</a:t>
+              <a:t>вс 18.10.15</a:t>
             </a:fld>
             <a:endParaRPr lang="ru-RU"/>
           </a:p>
@@ -2707,7 +2724,7 @@
             <a:fld id="{04794622-6F41-4D08-898D-573420FBC607}" type="datetimeFigureOut">
               <a:rPr lang="ru-RU" smtClean="0"/>
               <a:pPr/>
-              <a:t>15.10.2013</a:t>
+              <a:t>вс 18.10.15</a:t>
             </a:fld>
             <a:endParaRPr lang="ru-RU"/>
           </a:p>
@@ -3485,7 +3502,7 @@
       </p:sp>
       <p:pic>
         <p:nvPicPr>
-          <p:cNvPr id="3" name="Рисунок 2"/>
+          <p:cNvPr id="4" name="Рисунок 3"/>
           <p:cNvPicPr>
             <a:picLocks noChangeAspect="1"/>
           </p:cNvPicPr>
@@ -3505,8 +3522,8 @@
         </p:blipFill>
         <p:spPr>
           <a:xfrm>
-            <a:off x="2264713" y="1635148"/>
-            <a:ext cx="4614574" cy="4674172"/>
+            <a:off x="2195736" y="1412776"/>
+            <a:ext cx="5162550" cy="5229225"/>
           </a:xfrm>
           <a:prstGeom prst="rect">
             <a:avLst/>
@@ -3577,6 +3594,278 @@
           <a:p>
             <a:pPr algn="l"/>
             <a:r>
+              <a:rPr lang="en-US" sz="3200" dirty="0" err="1" smtClean="0"/>
+              <a:t>ApplicationServer</a:t>
+            </a:r>
+            <a:endParaRPr lang="ru-RU" sz="3200" dirty="0"/>
+          </a:p>
+        </p:txBody>
+      </p:sp>
+      <p:cxnSp>
+        <p:nvCxnSpPr>
+          <p:cNvPr id="7" name="Straight Connector 6"/>
+          <p:cNvCxnSpPr/>
+          <p:nvPr/>
+        </p:nvCxnSpPr>
+        <p:spPr>
+          <a:xfrm>
+            <a:off x="428596" y="714356"/>
+            <a:ext cx="8286808" cy="1588"/>
+          </a:xfrm>
+          <a:prstGeom prst="line">
+            <a:avLst/>
+          </a:prstGeom>
+          <a:ln>
+            <a:solidFill>
+              <a:schemeClr val="tx1"/>
+            </a:solidFill>
+          </a:ln>
+        </p:spPr>
+        <p:style>
+          <a:lnRef idx="1">
+            <a:schemeClr val="accent1"/>
+          </a:lnRef>
+          <a:fillRef idx="0">
+            <a:schemeClr val="accent1"/>
+          </a:fillRef>
+          <a:effectRef idx="0">
+            <a:schemeClr val="accent1"/>
+          </a:effectRef>
+          <a:fontRef idx="minor">
+            <a:schemeClr val="tx1"/>
+          </a:fontRef>
+        </p:style>
+      </p:cxnSp>
+      <p:sp>
+        <p:nvSpPr>
+          <p:cNvPr id="10" name="TextBox 9"/>
+          <p:cNvSpPr txBox="1"/>
+          <p:nvPr/>
+        </p:nvSpPr>
+        <p:spPr>
+          <a:xfrm>
+            <a:off x="428596" y="1000108"/>
+            <a:ext cx="8286808" cy="3416320"/>
+          </a:xfrm>
+          <a:prstGeom prst="rect">
+            <a:avLst/>
+          </a:prstGeom>
+          <a:noFill/>
+        </p:spPr>
+        <p:txBody>
+          <a:bodyPr wrap="square" rtlCol="0">
+            <a:spAutoFit/>
+          </a:bodyPr>
+          <a:lstStyle/>
+          <a:p>
+            <a:pPr>
+              <a:buClr>
+                <a:schemeClr val="tx1">
+                  <a:lumMod val="85000"/>
+                  <a:lumOff val="15000"/>
+                </a:schemeClr>
+              </a:buClr>
+            </a:pPr>
+            <a:r>
+              <a:rPr lang="ru-RU" dirty="0" smtClean="0"/>
+              <a:t>Таким образом сервер приложений позволяет:</a:t>
+            </a:r>
+          </a:p>
+          <a:p>
+            <a:pPr>
+              <a:buClr>
+                <a:schemeClr val="tx1">
+                  <a:lumMod val="85000"/>
+                  <a:lumOff val="15000"/>
+                </a:schemeClr>
+              </a:buClr>
+            </a:pPr>
+            <a:endParaRPr lang="ru-RU" dirty="0"/>
+          </a:p>
+          <a:p>
+            <a:pPr marL="342900" indent="-342900">
+              <a:buClr>
+                <a:schemeClr val="tx1">
+                  <a:lumMod val="85000"/>
+                  <a:lumOff val="15000"/>
+                </a:schemeClr>
+              </a:buClr>
+              <a:buAutoNum type="arabicPeriod"/>
+            </a:pPr>
+            <a:r>
+              <a:rPr lang="ru-RU" dirty="0" smtClean="0"/>
+              <a:t>Выделить бизнес логику в отдельный слой и управлять ею</a:t>
+            </a:r>
+          </a:p>
+          <a:p>
+            <a:pPr marL="342900" indent="-342900">
+              <a:buClr>
+                <a:schemeClr val="tx1">
+                  <a:lumMod val="85000"/>
+                  <a:lumOff val="15000"/>
+                </a:schemeClr>
+              </a:buClr>
+              <a:buAutoNum type="arabicPeriod"/>
+            </a:pPr>
+            <a:r>
+              <a:rPr lang="ru-RU" dirty="0" smtClean="0"/>
+              <a:t>Централизованно конфигурировать и переконфигурировать приложения, управлять их жизненным циклом</a:t>
+            </a:r>
+          </a:p>
+          <a:p>
+            <a:pPr marL="342900" indent="-342900">
+              <a:buClr>
+                <a:schemeClr val="tx1">
+                  <a:lumMod val="85000"/>
+                  <a:lumOff val="15000"/>
+                </a:schemeClr>
+              </a:buClr>
+              <a:buAutoNum type="arabicPeriod"/>
+            </a:pPr>
+            <a:r>
+              <a:rPr lang="ru-RU" dirty="0" smtClean="0"/>
+              <a:t>Обеспечивать безопасность как самого кода, так и его выполнения</a:t>
+            </a:r>
+          </a:p>
+          <a:p>
+            <a:pPr marL="342900" indent="-342900">
+              <a:buClr>
+                <a:schemeClr val="tx1">
+                  <a:lumMod val="85000"/>
+                  <a:lumOff val="15000"/>
+                </a:schemeClr>
+              </a:buClr>
+              <a:buAutoNum type="arabicPeriod"/>
+            </a:pPr>
+            <a:r>
+              <a:rPr lang="ru-RU" dirty="0" smtClean="0"/>
+              <a:t>Улучшить производительность за счет нахождения обработки «рядом» с источником данных</a:t>
+            </a:r>
+          </a:p>
+          <a:p>
+            <a:pPr marL="342900" indent="-342900">
+              <a:buClr>
+                <a:schemeClr val="tx1">
+                  <a:lumMod val="85000"/>
+                  <a:lumOff val="15000"/>
+                </a:schemeClr>
+              </a:buClr>
+              <a:buAutoNum type="arabicPeriod"/>
+            </a:pPr>
+            <a:r>
+              <a:rPr lang="ru-RU" dirty="0" smtClean="0"/>
+              <a:t>Снизить суммарную стоимость владения (</a:t>
+            </a:r>
+            <a:r>
+              <a:rPr lang="en-US" dirty="0" smtClean="0"/>
+              <a:t>TCO)</a:t>
+            </a:r>
+          </a:p>
+          <a:p>
+            <a:pPr marL="342900" indent="-342900">
+              <a:buClr>
+                <a:schemeClr val="tx1">
+                  <a:lumMod val="85000"/>
+                  <a:lumOff val="15000"/>
+                </a:schemeClr>
+              </a:buClr>
+              <a:buAutoNum type="arabicPeriod"/>
+            </a:pPr>
+            <a:r>
+              <a:rPr lang="ru-RU" dirty="0" smtClean="0"/>
+              <a:t>Обеспечить поддержку транзакций</a:t>
+            </a:r>
+          </a:p>
+          <a:p>
+            <a:pPr marL="342900" indent="-342900">
+              <a:buClr>
+                <a:schemeClr val="tx1">
+                  <a:lumMod val="85000"/>
+                  <a:lumOff val="15000"/>
+                </a:schemeClr>
+              </a:buClr>
+              <a:buAutoNum type="arabicPeriod"/>
+            </a:pPr>
+            <a:endParaRPr lang="ru-RU" dirty="0" smtClean="0"/>
+          </a:p>
+          <a:p>
+            <a:pPr marL="342900" indent="-342900">
+              <a:buClr>
+                <a:schemeClr val="tx1">
+                  <a:lumMod val="85000"/>
+                  <a:lumOff val="15000"/>
+                </a:schemeClr>
+              </a:buClr>
+              <a:buAutoNum type="arabicPeriod"/>
+            </a:pPr>
+            <a:endParaRPr lang="en-US" dirty="0" smtClean="0"/>
+          </a:p>
+        </p:txBody>
+      </p:sp>
+    </p:spTree>
+    <p:extLst>
+      <p:ext uri="{BB962C8B-B14F-4D97-AF65-F5344CB8AC3E}">
+        <p14:creationId xmlns:p14="http://schemas.microsoft.com/office/powerpoint/2010/main" val="3852311664"/>
+      </p:ext>
+    </p:extLst>
+  </p:cSld>
+  <p:clrMapOvr>
+    <a:masterClrMapping/>
+  </p:clrMapOvr>
+  <p:timing>
+    <p:tnLst>
+      <p:par>
+        <p:cTn id="1" dur="indefinite" restart="never" nodeType="tmRoot"/>
+      </p:par>
+    </p:tnLst>
+  </p:timing>
+</p:sld>
+</file>
+
+<file path=ppt/slides/slide13.xml><?xml version="1.0" encoding="utf-8"?>
+<p:sld xmlns:a="http://schemas.openxmlformats.org/drawingml/2006/main" xmlns:r="http://schemas.openxmlformats.org/officeDocument/2006/relationships" xmlns:p="http://schemas.openxmlformats.org/presentationml/2006/main">
+  <p:cSld>
+    <p:spTree>
+      <p:nvGrpSpPr>
+        <p:cNvPr id="1" name=""/>
+        <p:cNvGrpSpPr/>
+        <p:nvPr/>
+      </p:nvGrpSpPr>
+      <p:grpSpPr>
+        <a:xfrm>
+          <a:off x="0" y="0"/>
+          <a:ext cx="0" cy="0"/>
+          <a:chOff x="0" y="0"/>
+          <a:chExt cx="0" cy="0"/>
+        </a:xfrm>
+      </p:grpSpPr>
+      <p:sp>
+        <p:nvSpPr>
+          <p:cNvPr id="2" name="Title 1"/>
+          <p:cNvSpPr>
+            <a:spLocks noGrp="1"/>
+          </p:cNvSpPr>
+          <p:nvPr>
+            <p:ph type="title"/>
+          </p:nvPr>
+        </p:nvSpPr>
+        <p:spPr>
+          <a:xfrm>
+            <a:off x="457200" y="274638"/>
+            <a:ext cx="8229600" cy="439718"/>
+          </a:xfrm>
+          <a:ln>
+            <a:noFill/>
+          </a:ln>
+        </p:spPr>
+        <p:txBody>
+          <a:bodyPr>
+            <a:normAutofit fontScale="90000"/>
+          </a:bodyPr>
+          <a:lstStyle/>
+          <a:p>
+            <a:pPr algn="l"/>
+            <a:r>
               <a:rPr lang="ru-RU" sz="3200" dirty="0" smtClean="0"/>
               <a:t>Упаковка </a:t>
             </a:r>
@@ -3863,11 +4152,15 @@
             </a:r>
             <a:r>
               <a:rPr lang="en-US" dirty="0" smtClean="0"/>
-              <a:t>weblogic-application.xml</a:t>
+              <a:t>jboss-all.xml</a:t>
             </a:r>
             <a:r>
               <a:rPr lang="ru-RU" dirty="0" smtClean="0"/>
-              <a:t> или в общем случае </a:t>
+              <a:t> </a:t>
+            </a:r>
+            <a:r>
+              <a:rPr lang="ru-RU" dirty="0" smtClean="0"/>
+              <a:t>или в общем случае </a:t>
             </a:r>
             <a:r>
               <a:rPr lang="en-US" dirty="0" smtClean="0"/>
@@ -3896,7 +4189,7 @@
 </p:sld>
 </file>
 
-<file path=ppt/slides/slide13.xml><?xml version="1.0" encoding="utf-8"?>
+<file path=ppt/slides/slide14.xml><?xml version="1.0" encoding="utf-8"?>
 <p:sld xmlns:a="http://schemas.openxmlformats.org/drawingml/2006/main" xmlns:r="http://schemas.openxmlformats.org/officeDocument/2006/relationships" xmlns:p="http://schemas.openxmlformats.org/presentationml/2006/main">
   <p:cSld>
     <p:spTree>
@@ -4551,7 +4844,7 @@
 </p:sld>
 </file>
 
-<file path=ppt/slides/slide14.xml><?xml version="1.0" encoding="utf-8"?>
+<file path=ppt/slides/slide15.xml><?xml version="1.0" encoding="utf-8"?>
 <p:sld xmlns:a="http://schemas.openxmlformats.org/drawingml/2006/main" xmlns:r="http://schemas.openxmlformats.org/officeDocument/2006/relationships" xmlns:p="http://schemas.openxmlformats.org/presentationml/2006/main">
   <p:cSld>
     <p:spTree>
@@ -4731,7 +5024,7 @@
       </p:sp>
       <p:pic>
         <p:nvPicPr>
-          <p:cNvPr id="3" name="Рисунок 2"/>
+          <p:cNvPr id="4" name="Рисунок 3"/>
           <p:cNvPicPr>
             <a:picLocks noChangeAspect="1"/>
           </p:cNvPicPr>
@@ -4751,8 +5044,8 @@
         </p:blipFill>
         <p:spPr>
           <a:xfrm>
-            <a:off x="428596" y="1772816"/>
-            <a:ext cx="2009775" cy="676275"/>
+            <a:off x="3359150" y="3060700"/>
+            <a:ext cx="2425700" cy="736600"/>
           </a:xfrm>
           <a:prstGeom prst="rect">
             <a:avLst/>
@@ -4779,7 +5072,7 @@
 </p:sld>
 </file>
 
-<file path=ppt/slides/slide15.xml><?xml version="1.0" encoding="utf-8"?>
+<file path=ppt/slides/slide16.xml><?xml version="1.0" encoding="utf-8"?>
 <p:sld xmlns:a="http://schemas.openxmlformats.org/drawingml/2006/main" xmlns:r="http://schemas.openxmlformats.org/officeDocument/2006/relationships" xmlns:p="http://schemas.openxmlformats.org/presentationml/2006/main">
   <p:cSld>
     <p:spTree>
@@ -4825,6 +5118,786 @@
             <a:r>
               <a:rPr lang="en-US" sz="3200" dirty="0" smtClean="0"/>
               <a:t>web.xml</a:t>
+            </a:r>
+            <a:endParaRPr lang="ru-RU" sz="3200" dirty="0"/>
+          </a:p>
+        </p:txBody>
+      </p:sp>
+      <p:cxnSp>
+        <p:nvCxnSpPr>
+          <p:cNvPr id="7" name="Straight Connector 6"/>
+          <p:cNvCxnSpPr/>
+          <p:nvPr/>
+        </p:nvCxnSpPr>
+        <p:spPr>
+          <a:xfrm>
+            <a:off x="428596" y="714356"/>
+            <a:ext cx="8286808" cy="1588"/>
+          </a:xfrm>
+          <a:prstGeom prst="line">
+            <a:avLst/>
+          </a:prstGeom>
+          <a:ln>
+            <a:solidFill>
+              <a:schemeClr val="tx1"/>
+            </a:solidFill>
+          </a:ln>
+        </p:spPr>
+        <p:style>
+          <a:lnRef idx="1">
+            <a:schemeClr val="accent1"/>
+          </a:lnRef>
+          <a:fillRef idx="0">
+            <a:schemeClr val="accent1"/>
+          </a:fillRef>
+          <a:effectRef idx="0">
+            <a:schemeClr val="accent1"/>
+          </a:effectRef>
+          <a:fontRef idx="minor">
+            <a:schemeClr val="tx1"/>
+          </a:fontRef>
+        </p:style>
+      </p:cxnSp>
+      <p:sp>
+        <p:nvSpPr>
+          <p:cNvPr id="10" name="TextBox 9"/>
+          <p:cNvSpPr txBox="1"/>
+          <p:nvPr/>
+        </p:nvSpPr>
+        <p:spPr>
+          <a:xfrm>
+            <a:off x="428596" y="1000108"/>
+            <a:ext cx="8286808" cy="4955203"/>
+          </a:xfrm>
+          <a:prstGeom prst="rect">
+            <a:avLst/>
+          </a:prstGeom>
+          <a:noFill/>
+        </p:spPr>
+        <p:txBody>
+          <a:bodyPr wrap="square" rtlCol="0">
+            <a:spAutoFit/>
+          </a:bodyPr>
+          <a:lstStyle/>
+          <a:p>
+            <a:pPr>
+              <a:buClr>
+                <a:schemeClr val="tx1">
+                  <a:lumMod val="85000"/>
+                  <a:lumOff val="15000"/>
+                </a:schemeClr>
+              </a:buClr>
+            </a:pPr>
+            <a:r>
+              <a:rPr lang="ru-RU" dirty="0" smtClean="0">
+                <a:cs typeface="Courier New" pitchFamily="49" charset="0"/>
+              </a:rPr>
+              <a:t>Содержимое </a:t>
+            </a:r>
+            <a:r>
+              <a:rPr lang="en-US" dirty="0" smtClean="0">
+                <a:cs typeface="Courier New" pitchFamily="49" charset="0"/>
+              </a:rPr>
+              <a:t>web.xml:</a:t>
+            </a:r>
+          </a:p>
+          <a:p>
+            <a:pPr>
+              <a:buClr>
+                <a:schemeClr val="tx1">
+                  <a:lumMod val="85000"/>
+                  <a:lumOff val="15000"/>
+                </a:schemeClr>
+              </a:buClr>
+            </a:pPr>
+            <a:endParaRPr lang="en-US" dirty="0">
+              <a:cs typeface="Courier New" pitchFamily="49" charset="0"/>
+            </a:endParaRPr>
+          </a:p>
+          <a:p>
+            <a:pPr>
+              <a:buClr>
+                <a:schemeClr val="tx1">
+                  <a:lumMod val="85000"/>
+                  <a:lumOff val="15000"/>
+                </a:schemeClr>
+              </a:buClr>
+            </a:pPr>
+            <a:r>
+              <a:rPr lang="en-US" sz="1400" b="1" dirty="0">
+                <a:latin typeface="Courier New" pitchFamily="49" charset="0"/>
+                <a:cs typeface="Courier New" pitchFamily="49" charset="0"/>
+              </a:rPr>
+              <a:t>&lt;?xml version="1.0" encoding="UTF-8"?&gt;</a:t>
+            </a:r>
+          </a:p>
+          <a:p>
+            <a:pPr>
+              <a:buClr>
+                <a:schemeClr val="tx1">
+                  <a:lumMod val="85000"/>
+                  <a:lumOff val="15000"/>
+                </a:schemeClr>
+              </a:buClr>
+            </a:pPr>
+            <a:r>
+              <a:rPr lang="en-US" sz="1400" b="1" dirty="0">
+                <a:latin typeface="Courier New" pitchFamily="49" charset="0"/>
+                <a:cs typeface="Courier New" pitchFamily="49" charset="0"/>
+              </a:rPr>
+              <a:t>&lt;</a:t>
+            </a:r>
+            <a:r>
+              <a:rPr lang="en-US" sz="1400" b="1" dirty="0" smtClean="0">
+                <a:latin typeface="Courier New" pitchFamily="49" charset="0"/>
+                <a:cs typeface="Courier New" pitchFamily="49" charset="0"/>
+              </a:rPr>
+              <a:t>web-app version</a:t>
+            </a:r>
+            <a:r>
+              <a:rPr lang="en-US" sz="1400" b="1" dirty="0">
+                <a:latin typeface="Courier New" pitchFamily="49" charset="0"/>
+                <a:cs typeface="Courier New" pitchFamily="49" charset="0"/>
+              </a:rPr>
+              <a:t>="2.4"</a:t>
+            </a:r>
+          </a:p>
+          <a:p>
+            <a:pPr>
+              <a:buClr>
+                <a:schemeClr val="tx1">
+                  <a:lumMod val="85000"/>
+                  <a:lumOff val="15000"/>
+                </a:schemeClr>
+              </a:buClr>
+            </a:pPr>
+            <a:r>
+              <a:rPr lang="en-US" sz="1400" b="1" dirty="0" smtClean="0">
+                <a:latin typeface="Courier New" pitchFamily="49" charset="0"/>
+                <a:cs typeface="Courier New" pitchFamily="49" charset="0"/>
+              </a:rPr>
+              <a:t>      </a:t>
+            </a:r>
+            <a:r>
+              <a:rPr lang="en-US" sz="1400" b="1" dirty="0" err="1" smtClean="0">
+                <a:latin typeface="Courier New" pitchFamily="49" charset="0"/>
+                <a:cs typeface="Courier New" pitchFamily="49" charset="0"/>
+              </a:rPr>
+              <a:t>xmlns</a:t>
+            </a:r>
+            <a:r>
+              <a:rPr lang="en-US" sz="1400" b="1" dirty="0">
+                <a:latin typeface="Courier New" pitchFamily="49" charset="0"/>
+                <a:cs typeface="Courier New" pitchFamily="49" charset="0"/>
+              </a:rPr>
+              <a:t>="http://java.sun.com/xml/ns/j2ee"</a:t>
+            </a:r>
+          </a:p>
+          <a:p>
+            <a:pPr>
+              <a:buClr>
+                <a:schemeClr val="tx1">
+                  <a:lumMod val="85000"/>
+                  <a:lumOff val="15000"/>
+                </a:schemeClr>
+              </a:buClr>
+            </a:pPr>
+            <a:r>
+              <a:rPr lang="en-US" sz="1400" b="1" dirty="0" smtClean="0">
+                <a:latin typeface="Courier New" pitchFamily="49" charset="0"/>
+                <a:cs typeface="Courier New" pitchFamily="49" charset="0"/>
+              </a:rPr>
+              <a:t>      </a:t>
+            </a:r>
+            <a:r>
+              <a:rPr lang="en-US" sz="1400" b="1" dirty="0" err="1" smtClean="0">
+                <a:latin typeface="Courier New" pitchFamily="49" charset="0"/>
+                <a:cs typeface="Courier New" pitchFamily="49" charset="0"/>
+              </a:rPr>
+              <a:t>xmlns:xsi</a:t>
+            </a:r>
+            <a:r>
+              <a:rPr lang="en-US" sz="1400" b="1" dirty="0">
+                <a:latin typeface="Courier New" pitchFamily="49" charset="0"/>
+                <a:cs typeface="Courier New" pitchFamily="49" charset="0"/>
+              </a:rPr>
+              <a:t>="http://www.w3.org/2001/XMLSchema-instance"</a:t>
+            </a:r>
+          </a:p>
+          <a:p>
+            <a:pPr>
+              <a:buClr>
+                <a:schemeClr val="tx1">
+                  <a:lumMod val="85000"/>
+                  <a:lumOff val="15000"/>
+                </a:schemeClr>
+              </a:buClr>
+            </a:pPr>
+            <a:r>
+              <a:rPr lang="en-US" sz="1400" b="1" dirty="0" smtClean="0">
+                <a:latin typeface="Courier New" pitchFamily="49" charset="0"/>
+                <a:cs typeface="Courier New" pitchFamily="49" charset="0"/>
+              </a:rPr>
+              <a:t>      </a:t>
+            </a:r>
+            <a:r>
+              <a:rPr lang="en-US" sz="1400" b="1" dirty="0" err="1" smtClean="0">
+                <a:latin typeface="Courier New" pitchFamily="49" charset="0"/>
+                <a:cs typeface="Courier New" pitchFamily="49" charset="0"/>
+              </a:rPr>
+              <a:t>xsi:schemaLocation</a:t>
+            </a:r>
+            <a:r>
+              <a:rPr lang="en-US" sz="1400" b="1" dirty="0">
+                <a:latin typeface="Courier New" pitchFamily="49" charset="0"/>
+                <a:cs typeface="Courier New" pitchFamily="49" charset="0"/>
+              </a:rPr>
+              <a:t>="http://java.sun.com/xml/ns/j2ee</a:t>
+            </a:r>
+          </a:p>
+          <a:p>
+            <a:pPr>
+              <a:buClr>
+                <a:schemeClr val="tx1">
+                  <a:lumMod val="85000"/>
+                  <a:lumOff val="15000"/>
+                </a:schemeClr>
+              </a:buClr>
+            </a:pPr>
+            <a:r>
+              <a:rPr lang="en-US" sz="1400" b="1" dirty="0" smtClean="0">
+                <a:latin typeface="Courier New" pitchFamily="49" charset="0"/>
+                <a:cs typeface="Courier New" pitchFamily="49" charset="0"/>
+              </a:rPr>
+              <a:t>                          http</a:t>
+            </a:r>
+            <a:r>
+              <a:rPr lang="en-US" sz="1400" b="1" dirty="0">
+                <a:latin typeface="Courier New" pitchFamily="49" charset="0"/>
+                <a:cs typeface="Courier New" pitchFamily="49" charset="0"/>
+              </a:rPr>
+              <a:t>://java.sun.com/xml/ns/j2ee/web-app_2_4.xsd</a:t>
+            </a:r>
+            <a:r>
+              <a:rPr lang="en-US" sz="1400" b="1" dirty="0" smtClean="0">
+                <a:latin typeface="Courier New" pitchFamily="49" charset="0"/>
+                <a:cs typeface="Courier New" pitchFamily="49" charset="0"/>
+              </a:rPr>
+              <a:t>"&gt;</a:t>
+            </a:r>
+            <a:endParaRPr lang="en-US" sz="1400" b="1" dirty="0">
+              <a:latin typeface="Courier New" pitchFamily="49" charset="0"/>
+              <a:cs typeface="Courier New" pitchFamily="49" charset="0"/>
+            </a:endParaRPr>
+          </a:p>
+          <a:p>
+            <a:pPr>
+              <a:buClr>
+                <a:schemeClr val="tx1">
+                  <a:lumMod val="85000"/>
+                  <a:lumOff val="15000"/>
+                </a:schemeClr>
+              </a:buClr>
+            </a:pPr>
+            <a:endParaRPr lang="en-US" sz="1400" b="1" dirty="0">
+              <a:latin typeface="Courier New" pitchFamily="49" charset="0"/>
+              <a:cs typeface="Courier New" pitchFamily="49" charset="0"/>
+            </a:endParaRPr>
+          </a:p>
+          <a:p>
+            <a:pPr>
+              <a:buClr>
+                <a:schemeClr val="tx1">
+                  <a:lumMod val="85000"/>
+                  <a:lumOff val="15000"/>
+                </a:schemeClr>
+              </a:buClr>
+            </a:pPr>
+            <a:r>
+              <a:rPr lang="en-US" sz="1400" b="1" dirty="0" smtClean="0">
+                <a:latin typeface="Courier New" pitchFamily="49" charset="0"/>
+                <a:cs typeface="Courier New" pitchFamily="49" charset="0"/>
+              </a:rPr>
+              <a:t>    &lt;display-name</a:t>
+            </a:r>
+            <a:r>
+              <a:rPr lang="en-US" sz="1400" b="1" dirty="0">
+                <a:latin typeface="Courier New" pitchFamily="49" charset="0"/>
+                <a:cs typeface="Courier New" pitchFamily="49" charset="0"/>
+              </a:rPr>
+              <a:t>&gt;...&lt;/display-name&gt;</a:t>
+            </a:r>
+          </a:p>
+          <a:p>
+            <a:pPr>
+              <a:buClr>
+                <a:schemeClr val="tx1">
+                  <a:lumMod val="85000"/>
+                  <a:lumOff val="15000"/>
+                </a:schemeClr>
+              </a:buClr>
+            </a:pPr>
+            <a:r>
+              <a:rPr lang="en-US" sz="1400" b="1" dirty="0" smtClean="0">
+                <a:latin typeface="Courier New" pitchFamily="49" charset="0"/>
+                <a:cs typeface="Courier New" pitchFamily="49" charset="0"/>
+              </a:rPr>
+              <a:t>   </a:t>
+            </a:r>
+            <a:endParaRPr lang="en-US" sz="1400" b="1" dirty="0">
+              <a:latin typeface="Courier New" pitchFamily="49" charset="0"/>
+              <a:cs typeface="Courier New" pitchFamily="49" charset="0"/>
+            </a:endParaRPr>
+          </a:p>
+          <a:p>
+            <a:pPr>
+              <a:buClr>
+                <a:schemeClr val="tx1">
+                  <a:lumMod val="85000"/>
+                  <a:lumOff val="15000"/>
+                </a:schemeClr>
+              </a:buClr>
+            </a:pPr>
+            <a:r>
+              <a:rPr lang="en-US" sz="1400" b="1" dirty="0" smtClean="0">
+                <a:latin typeface="Courier New" pitchFamily="49" charset="0"/>
+                <a:cs typeface="Courier New" pitchFamily="49" charset="0"/>
+              </a:rPr>
+              <a:t>    &lt;context-</a:t>
+            </a:r>
+            <a:r>
+              <a:rPr lang="en-US" sz="1400" b="1" dirty="0" err="1" smtClean="0">
+                <a:latin typeface="Courier New" pitchFamily="49" charset="0"/>
+                <a:cs typeface="Courier New" pitchFamily="49" charset="0"/>
+              </a:rPr>
+              <a:t>param</a:t>
+            </a:r>
+            <a:r>
+              <a:rPr lang="en-US" sz="1400" b="1" dirty="0">
+                <a:latin typeface="Courier New" pitchFamily="49" charset="0"/>
+                <a:cs typeface="Courier New" pitchFamily="49" charset="0"/>
+              </a:rPr>
+              <a:t>&gt;</a:t>
+            </a:r>
+          </a:p>
+          <a:p>
+            <a:pPr>
+              <a:buClr>
+                <a:schemeClr val="tx1">
+                  <a:lumMod val="85000"/>
+                  <a:lumOff val="15000"/>
+                </a:schemeClr>
+              </a:buClr>
+            </a:pPr>
+            <a:r>
+              <a:rPr lang="en-US" sz="1400" b="1" dirty="0" smtClean="0">
+                <a:latin typeface="Courier New" pitchFamily="49" charset="0"/>
+                <a:cs typeface="Courier New" pitchFamily="49" charset="0"/>
+              </a:rPr>
+              <a:t>        &lt;</a:t>
+            </a:r>
+            <a:r>
+              <a:rPr lang="en-US" sz="1400" b="1" dirty="0" err="1">
+                <a:latin typeface="Courier New" pitchFamily="49" charset="0"/>
+                <a:cs typeface="Courier New" pitchFamily="49" charset="0"/>
+              </a:rPr>
+              <a:t>param</a:t>
+            </a:r>
+            <a:r>
+              <a:rPr lang="en-US" sz="1400" b="1" dirty="0">
+                <a:latin typeface="Courier New" pitchFamily="49" charset="0"/>
+                <a:cs typeface="Courier New" pitchFamily="49" charset="0"/>
+              </a:rPr>
+              <a:t>-name&gt;</a:t>
+            </a:r>
+            <a:r>
+              <a:rPr lang="en-US" sz="1400" b="1" dirty="0" err="1">
+                <a:latin typeface="Courier New" pitchFamily="49" charset="0"/>
+                <a:cs typeface="Courier New" pitchFamily="49" charset="0"/>
+              </a:rPr>
+              <a:t>contextConfigLocation</a:t>
+            </a:r>
+            <a:r>
+              <a:rPr lang="en-US" sz="1400" b="1" dirty="0">
+                <a:latin typeface="Courier New" pitchFamily="49" charset="0"/>
+                <a:cs typeface="Courier New" pitchFamily="49" charset="0"/>
+              </a:rPr>
+              <a:t>&lt;/</a:t>
+            </a:r>
+            <a:r>
+              <a:rPr lang="en-US" sz="1400" b="1" dirty="0" err="1">
+                <a:latin typeface="Courier New" pitchFamily="49" charset="0"/>
+                <a:cs typeface="Courier New" pitchFamily="49" charset="0"/>
+              </a:rPr>
+              <a:t>param</a:t>
+            </a:r>
+            <a:r>
+              <a:rPr lang="en-US" sz="1400" b="1" dirty="0">
+                <a:latin typeface="Courier New" pitchFamily="49" charset="0"/>
+                <a:cs typeface="Courier New" pitchFamily="49" charset="0"/>
+              </a:rPr>
+              <a:t>-name&gt;</a:t>
+            </a:r>
+          </a:p>
+          <a:p>
+            <a:pPr>
+              <a:buClr>
+                <a:schemeClr val="tx1">
+                  <a:lumMod val="85000"/>
+                  <a:lumOff val="15000"/>
+                </a:schemeClr>
+              </a:buClr>
+            </a:pPr>
+            <a:r>
+              <a:rPr lang="en-US" sz="1400" b="1" dirty="0" smtClean="0">
+                <a:latin typeface="Courier New" pitchFamily="49" charset="0"/>
+                <a:cs typeface="Courier New" pitchFamily="49" charset="0"/>
+              </a:rPr>
+              <a:t>        &lt;</a:t>
+            </a:r>
+            <a:r>
+              <a:rPr lang="en-US" sz="1400" b="1" dirty="0" err="1" smtClean="0">
+                <a:latin typeface="Courier New" pitchFamily="49" charset="0"/>
+                <a:cs typeface="Courier New" pitchFamily="49" charset="0"/>
+              </a:rPr>
+              <a:t>param</a:t>
+            </a:r>
+            <a:r>
+              <a:rPr lang="en-US" sz="1400" b="1" dirty="0" smtClean="0">
+                <a:latin typeface="Courier New" pitchFamily="49" charset="0"/>
+                <a:cs typeface="Courier New" pitchFamily="49" charset="0"/>
+              </a:rPr>
+              <a:t>-value&gt;</a:t>
+            </a:r>
+            <a:r>
+              <a:rPr lang="en-US" sz="1400" b="1" dirty="0" err="1" smtClean="0">
+                <a:solidFill>
+                  <a:srgbClr val="C00000"/>
+                </a:solidFill>
+                <a:latin typeface="Courier New" pitchFamily="49" charset="0"/>
+                <a:cs typeface="Courier New" pitchFamily="49" charset="0"/>
+              </a:rPr>
+              <a:t>classpath:beans.xml</a:t>
+            </a:r>
+            <a:r>
+              <a:rPr lang="en-US" sz="1400" b="1" dirty="0">
+                <a:latin typeface="Courier New" pitchFamily="49" charset="0"/>
+                <a:cs typeface="Courier New" pitchFamily="49" charset="0"/>
+              </a:rPr>
+              <a:t>&lt;/</a:t>
+            </a:r>
+            <a:r>
+              <a:rPr lang="en-US" sz="1400" b="1" dirty="0" err="1">
+                <a:latin typeface="Courier New" pitchFamily="49" charset="0"/>
+                <a:cs typeface="Courier New" pitchFamily="49" charset="0"/>
+              </a:rPr>
+              <a:t>param</a:t>
+            </a:r>
+            <a:r>
+              <a:rPr lang="en-US" sz="1400" b="1" dirty="0">
+                <a:latin typeface="Courier New" pitchFamily="49" charset="0"/>
+                <a:cs typeface="Courier New" pitchFamily="49" charset="0"/>
+              </a:rPr>
+              <a:t>-value&gt;</a:t>
+            </a:r>
+          </a:p>
+          <a:p>
+            <a:pPr>
+              <a:buClr>
+                <a:schemeClr val="tx1">
+                  <a:lumMod val="85000"/>
+                  <a:lumOff val="15000"/>
+                </a:schemeClr>
+              </a:buClr>
+            </a:pPr>
+            <a:r>
+              <a:rPr lang="en-US" sz="1400" b="1" dirty="0" smtClean="0">
+                <a:latin typeface="Courier New" pitchFamily="49" charset="0"/>
+                <a:cs typeface="Courier New" pitchFamily="49" charset="0"/>
+              </a:rPr>
+              <a:t>    &lt;/</a:t>
+            </a:r>
+            <a:r>
+              <a:rPr lang="en-US" sz="1400" b="1" dirty="0">
+                <a:latin typeface="Courier New" pitchFamily="49" charset="0"/>
+                <a:cs typeface="Courier New" pitchFamily="49" charset="0"/>
+              </a:rPr>
+              <a:t>context-</a:t>
+            </a:r>
+            <a:r>
+              <a:rPr lang="en-US" sz="1400" b="1" dirty="0" err="1">
+                <a:latin typeface="Courier New" pitchFamily="49" charset="0"/>
+                <a:cs typeface="Courier New" pitchFamily="49" charset="0"/>
+              </a:rPr>
+              <a:t>param</a:t>
+            </a:r>
+            <a:r>
+              <a:rPr lang="en-US" sz="1400" b="1" dirty="0">
+                <a:latin typeface="Courier New" pitchFamily="49" charset="0"/>
+                <a:cs typeface="Courier New" pitchFamily="49" charset="0"/>
+              </a:rPr>
+              <a:t>&gt;</a:t>
+            </a:r>
+          </a:p>
+          <a:p>
+            <a:pPr>
+              <a:buClr>
+                <a:schemeClr val="tx1">
+                  <a:lumMod val="85000"/>
+                  <a:lumOff val="15000"/>
+                </a:schemeClr>
+              </a:buClr>
+            </a:pPr>
+            <a:r>
+              <a:rPr lang="en-US" sz="1400" b="1" dirty="0">
+                <a:latin typeface="Courier New" pitchFamily="49" charset="0"/>
+                <a:cs typeface="Courier New" pitchFamily="49" charset="0"/>
+              </a:rPr>
+              <a:t>	</a:t>
+            </a:r>
+          </a:p>
+          <a:p>
+            <a:pPr>
+              <a:buClr>
+                <a:schemeClr val="tx1">
+                  <a:lumMod val="85000"/>
+                  <a:lumOff val="15000"/>
+                </a:schemeClr>
+              </a:buClr>
+            </a:pPr>
+            <a:r>
+              <a:rPr lang="en-US" sz="1400" b="1" dirty="0" smtClean="0">
+                <a:latin typeface="Courier New" pitchFamily="49" charset="0"/>
+                <a:cs typeface="Courier New" pitchFamily="49" charset="0"/>
+              </a:rPr>
+              <a:t>    &lt;</a:t>
+            </a:r>
+            <a:r>
+              <a:rPr lang="en-US" sz="1400" b="1" dirty="0">
+                <a:latin typeface="Courier New" pitchFamily="49" charset="0"/>
+                <a:cs typeface="Courier New" pitchFamily="49" charset="0"/>
+              </a:rPr>
+              <a:t>listener&gt;</a:t>
+            </a:r>
+          </a:p>
+          <a:p>
+            <a:pPr>
+              <a:buClr>
+                <a:schemeClr val="tx1">
+                  <a:lumMod val="85000"/>
+                  <a:lumOff val="15000"/>
+                </a:schemeClr>
+              </a:buClr>
+            </a:pPr>
+            <a:r>
+              <a:rPr lang="en-US" sz="1400" b="1" dirty="0" smtClean="0">
+                <a:latin typeface="Courier New" pitchFamily="49" charset="0"/>
+                <a:cs typeface="Courier New" pitchFamily="49" charset="0"/>
+              </a:rPr>
+              <a:t>        &lt;listener-class&gt;</a:t>
+            </a:r>
+          </a:p>
+          <a:p>
+            <a:pPr>
+              <a:buClr>
+                <a:schemeClr val="tx1">
+                  <a:lumMod val="85000"/>
+                  <a:lumOff val="15000"/>
+                </a:schemeClr>
+              </a:buClr>
+            </a:pPr>
+            <a:r>
+              <a:rPr lang="en-US" sz="1400" b="1" dirty="0" smtClean="0">
+                <a:latin typeface="Courier New" pitchFamily="49" charset="0"/>
+                <a:cs typeface="Courier New" pitchFamily="49" charset="0"/>
+              </a:rPr>
+              <a:t>            </a:t>
+            </a:r>
+            <a:r>
+              <a:rPr lang="en-US" sz="1400" b="1" dirty="0" err="1" smtClean="0">
+                <a:latin typeface="Courier New" pitchFamily="49" charset="0"/>
+                <a:cs typeface="Courier New" pitchFamily="49" charset="0"/>
+              </a:rPr>
+              <a:t>org.springframework.web.context.ContextLoaderListener</a:t>
+            </a:r>
+            <a:endParaRPr lang="en-US" sz="1400" b="1" dirty="0" smtClean="0">
+              <a:latin typeface="Courier New" pitchFamily="49" charset="0"/>
+              <a:cs typeface="Courier New" pitchFamily="49" charset="0"/>
+            </a:endParaRPr>
+          </a:p>
+          <a:p>
+            <a:pPr>
+              <a:buClr>
+                <a:schemeClr val="tx1">
+                  <a:lumMod val="85000"/>
+                  <a:lumOff val="15000"/>
+                </a:schemeClr>
+              </a:buClr>
+            </a:pPr>
+            <a:r>
+              <a:rPr lang="en-US" sz="1400" b="1" dirty="0">
+                <a:latin typeface="Courier New" pitchFamily="49" charset="0"/>
+                <a:cs typeface="Courier New" pitchFamily="49" charset="0"/>
+              </a:rPr>
+              <a:t> </a:t>
+            </a:r>
+            <a:r>
+              <a:rPr lang="en-US" sz="1400" b="1" dirty="0" smtClean="0">
+                <a:latin typeface="Courier New" pitchFamily="49" charset="0"/>
+                <a:cs typeface="Courier New" pitchFamily="49" charset="0"/>
+              </a:rPr>
+              <a:t>       &lt;/</a:t>
+            </a:r>
+            <a:r>
+              <a:rPr lang="en-US" sz="1400" b="1" dirty="0">
+                <a:latin typeface="Courier New" pitchFamily="49" charset="0"/>
+                <a:cs typeface="Courier New" pitchFamily="49" charset="0"/>
+              </a:rPr>
+              <a:t>listener-class&gt;</a:t>
+            </a:r>
+          </a:p>
+          <a:p>
+            <a:pPr>
+              <a:buClr>
+                <a:schemeClr val="tx1">
+                  <a:lumMod val="85000"/>
+                  <a:lumOff val="15000"/>
+                </a:schemeClr>
+              </a:buClr>
+            </a:pPr>
+            <a:r>
+              <a:rPr lang="en-US" sz="1400" b="1" dirty="0" smtClean="0">
+                <a:latin typeface="Courier New" pitchFamily="49" charset="0"/>
+                <a:cs typeface="Courier New" pitchFamily="49" charset="0"/>
+              </a:rPr>
+              <a:t>    &lt;/</a:t>
+            </a:r>
+            <a:r>
+              <a:rPr lang="en-US" sz="1400" b="1" dirty="0">
+                <a:latin typeface="Courier New" pitchFamily="49" charset="0"/>
+                <a:cs typeface="Courier New" pitchFamily="49" charset="0"/>
+              </a:rPr>
+              <a:t>listener</a:t>
+            </a:r>
+            <a:r>
+              <a:rPr lang="en-US" sz="1400" b="1" dirty="0" smtClean="0">
+                <a:latin typeface="Courier New" pitchFamily="49" charset="0"/>
+                <a:cs typeface="Courier New" pitchFamily="49" charset="0"/>
+              </a:rPr>
+              <a:t>&gt;</a:t>
+            </a:r>
+            <a:r>
+              <a:rPr lang="en-US" sz="1400" b="1" dirty="0">
+                <a:latin typeface="Courier New" pitchFamily="49" charset="0"/>
+                <a:cs typeface="Courier New" pitchFamily="49" charset="0"/>
+              </a:rPr>
+              <a:t>	</a:t>
+            </a:r>
+          </a:p>
+          <a:p>
+            <a:pPr>
+              <a:buClr>
+                <a:schemeClr val="tx1">
+                  <a:lumMod val="85000"/>
+                  <a:lumOff val="15000"/>
+                </a:schemeClr>
+              </a:buClr>
+            </a:pPr>
+            <a:r>
+              <a:rPr lang="en-US" sz="1400" b="1" dirty="0">
+                <a:latin typeface="Courier New" pitchFamily="49" charset="0"/>
+                <a:cs typeface="Courier New" pitchFamily="49" charset="0"/>
+              </a:rPr>
+              <a:t>&lt;/web-app</a:t>
+            </a:r>
+            <a:r>
+              <a:rPr lang="en-US" sz="1400" b="1" dirty="0" smtClean="0">
+                <a:latin typeface="Courier New" pitchFamily="49" charset="0"/>
+                <a:cs typeface="Courier New" pitchFamily="49" charset="0"/>
+              </a:rPr>
+              <a:t>&gt;</a:t>
+            </a:r>
+            <a:endParaRPr lang="en-US" sz="1400" b="1" dirty="0">
+              <a:latin typeface="Courier New" pitchFamily="49" charset="0"/>
+              <a:cs typeface="Courier New" pitchFamily="49" charset="0"/>
+            </a:endParaRPr>
+          </a:p>
+        </p:txBody>
+      </p:sp>
+    </p:spTree>
+    <p:extLst>
+      <p:ext uri="{BB962C8B-B14F-4D97-AF65-F5344CB8AC3E}">
+        <p14:creationId xmlns:p14="http://schemas.microsoft.com/office/powerpoint/2010/main" val="1115756738"/>
+      </p:ext>
+    </p:extLst>
+  </p:cSld>
+  <p:clrMapOvr>
+    <a:masterClrMapping/>
+  </p:clrMapOvr>
+  <p:timing>
+    <p:tnLst>
+      <p:par>
+        <p:cTn id="1" dur="indefinite" restart="never" nodeType="tmRoot"/>
+      </p:par>
+    </p:tnLst>
+  </p:timing>
+</p:sld>
+</file>
+
+<file path=ppt/slides/slide17.xml><?xml version="1.0" encoding="utf-8"?>
+<p:sld xmlns:a="http://schemas.openxmlformats.org/drawingml/2006/main" xmlns:r="http://schemas.openxmlformats.org/officeDocument/2006/relationships" xmlns:p="http://schemas.openxmlformats.org/presentationml/2006/main">
+  <p:cSld>
+    <p:spTree>
+      <p:nvGrpSpPr>
+        <p:cNvPr id="1" name=""/>
+        <p:cNvGrpSpPr/>
+        <p:nvPr/>
+      </p:nvGrpSpPr>
+      <p:grpSpPr>
+        <a:xfrm>
+          <a:off x="0" y="0"/>
+          <a:ext cx="0" cy="0"/>
+          <a:chOff x="0" y="0"/>
+          <a:chExt cx="0" cy="0"/>
+        </a:xfrm>
+      </p:grpSpPr>
+      <p:sp>
+        <p:nvSpPr>
+          <p:cNvPr id="2" name="Title 1"/>
+          <p:cNvSpPr>
+            <a:spLocks noGrp="1"/>
+          </p:cNvSpPr>
+          <p:nvPr>
+            <p:ph type="title"/>
+          </p:nvPr>
+        </p:nvSpPr>
+        <p:spPr>
+          <a:xfrm>
+            <a:off x="457200" y="274638"/>
+            <a:ext cx="8229600" cy="439718"/>
+          </a:xfrm>
+          <a:ln>
+            <a:noFill/>
+          </a:ln>
+        </p:spPr>
+        <p:txBody>
+          <a:bodyPr>
+            <a:normAutofit fontScale="90000"/>
+          </a:bodyPr>
+          <a:lstStyle/>
+          <a:p>
+            <a:pPr algn="l"/>
+            <a:r>
+              <a:rPr lang="en-US" sz="3200" dirty="0" smtClean="0"/>
+              <a:t>ear </a:t>
+            </a:r>
+            <a:r>
+              <a:rPr lang="ru-RU" sz="3200" dirty="0"/>
+              <a:t>с помощью </a:t>
+            </a:r>
+            <a:r>
+              <a:rPr lang="en-US" sz="3200" dirty="0" smtClean="0"/>
+              <a:t>maven</a:t>
             </a:r>
             <a:endParaRPr lang="ru-RU" sz="3200" dirty="0"/>
           </a:p>
@@ -4896,93 +5969,59 @@
               </a:buClr>
             </a:pPr>
             <a:r>
-              <a:rPr lang="ru-RU" dirty="0" smtClean="0">
-                <a:cs typeface="Courier New" pitchFamily="49" charset="0"/>
-              </a:rPr>
-              <a:t>Содержимое </a:t>
-            </a:r>
-            <a:r>
-              <a:rPr lang="en-US" dirty="0" smtClean="0">
-                <a:cs typeface="Courier New" pitchFamily="49" charset="0"/>
-              </a:rPr>
-              <a:t>beans-web.xml </a:t>
-            </a:r>
-            <a:r>
-              <a:rPr lang="ru-RU" dirty="0" smtClean="0">
-                <a:cs typeface="Courier New" pitchFamily="49" charset="0"/>
-              </a:rPr>
-              <a:t>такое же как и обычно для </a:t>
-            </a:r>
-            <a:r>
-              <a:rPr lang="en-US" dirty="0" smtClean="0">
-                <a:cs typeface="Courier New" pitchFamily="49" charset="0"/>
-              </a:rPr>
-              <a:t>beans.xml</a:t>
-            </a:r>
-          </a:p>
-          <a:p>
-            <a:pPr>
-              <a:buClr>
-                <a:schemeClr val="tx1">
-                  <a:lumMod val="85000"/>
-                  <a:lumOff val="15000"/>
-                </a:schemeClr>
-              </a:buClr>
-            </a:pPr>
-            <a:endParaRPr lang="en-US" dirty="0">
-              <a:cs typeface="Courier New" pitchFamily="49" charset="0"/>
-            </a:endParaRPr>
-          </a:p>
-          <a:p>
-            <a:pPr>
-              <a:buClr>
-                <a:schemeClr val="tx1">
-                  <a:lumMod val="85000"/>
-                  <a:lumOff val="15000"/>
-                </a:schemeClr>
-              </a:buClr>
-            </a:pPr>
-            <a:r>
-              <a:rPr lang="ru-RU" dirty="0" smtClean="0">
-                <a:cs typeface="Courier New" pitchFamily="49" charset="0"/>
-              </a:rPr>
-              <a:t>Содержимое </a:t>
-            </a:r>
-            <a:r>
-              <a:rPr lang="en-US" dirty="0" smtClean="0">
-                <a:cs typeface="Courier New" pitchFamily="49" charset="0"/>
-              </a:rPr>
-              <a:t>web.xml:</a:t>
-            </a:r>
-          </a:p>
-          <a:p>
-            <a:pPr>
-              <a:buClr>
-                <a:schemeClr val="tx1">
-                  <a:lumMod val="85000"/>
-                  <a:lumOff val="15000"/>
-                </a:schemeClr>
-              </a:buClr>
-            </a:pPr>
-            <a:endParaRPr lang="en-US" dirty="0">
-              <a:cs typeface="Courier New" pitchFamily="49" charset="0"/>
-            </a:endParaRPr>
-          </a:p>
-          <a:p>
-            <a:pPr>
-              <a:buClr>
-                <a:schemeClr val="tx1">
-                  <a:lumMod val="85000"/>
-                  <a:lumOff val="15000"/>
-                </a:schemeClr>
-              </a:buClr>
-            </a:pPr>
+              <a:rPr lang="en-US" sz="1400" b="1" dirty="0" smtClean="0">
+                <a:latin typeface="Courier New" pitchFamily="49" charset="0"/>
+                <a:cs typeface="Courier New" pitchFamily="49" charset="0"/>
+              </a:rPr>
+              <a:t>...</a:t>
+            </a:r>
+          </a:p>
+          <a:p>
+            <a:pPr>
+              <a:buClr>
+                <a:schemeClr val="tx1">
+                  <a:lumMod val="85000"/>
+                  <a:lumOff val="15000"/>
+                </a:schemeClr>
+              </a:buClr>
+            </a:pPr>
+            <a:r>
+              <a:rPr lang="en-US" sz="1400" b="1" dirty="0" smtClean="0">
+                <a:latin typeface="Courier New" pitchFamily="49" charset="0"/>
+                <a:cs typeface="Courier New" pitchFamily="49" charset="0"/>
+              </a:rPr>
+              <a:t>&lt;packaging&gt;ear&lt;/</a:t>
+            </a:r>
             <a:r>
               <a:rPr lang="en-US" sz="1400" b="1" dirty="0">
                 <a:latin typeface="Courier New" pitchFamily="49" charset="0"/>
                 <a:cs typeface="Courier New" pitchFamily="49" charset="0"/>
               </a:rPr>
-              <a:t>&lt;?xml version="1.0" encoding="UTF-8"?&gt;</a:t>
+              <a:t>packaging</a:t>
+            </a:r>
+            <a:r>
+              <a:rPr lang="en-US" sz="1400" b="1" dirty="0" smtClean="0">
+                <a:latin typeface="Courier New" pitchFamily="49" charset="0"/>
+                <a:cs typeface="Courier New" pitchFamily="49" charset="0"/>
+              </a:rPr>
+              <a:t>&gt;</a:t>
+            </a:r>
+          </a:p>
+          <a:p>
+            <a:pPr>
+              <a:buClr>
+                <a:schemeClr val="tx1">
+                  <a:lumMod val="85000"/>
+                  <a:lumOff val="15000"/>
+                </a:schemeClr>
+              </a:buClr>
+            </a:pPr>
+            <a:r>
+              <a:rPr lang="en-US" sz="1400" b="1" dirty="0" smtClean="0">
+                <a:latin typeface="Courier New" pitchFamily="49" charset="0"/>
+                <a:cs typeface="Courier New" pitchFamily="49" charset="0"/>
+              </a:rPr>
+              <a:t>...</a:t>
             </a:r>
           </a:p>
           <a:p>
@@ -4999,145 +6038,62 @@
                 <a:latin typeface="Courier New" pitchFamily="49" charset="0"/>
                 <a:cs typeface="Courier New" pitchFamily="49" charset="0"/>
               </a:rPr>
-              <a:t>&lt;</a:t>
-            </a:r>
+              <a:t>&lt;build&gt;</a:t>
+            </a:r>
+          </a:p>
+          <a:p>
+            <a:pPr>
+              <a:buClr>
+                <a:schemeClr val="tx1">
+                  <a:lumMod val="85000"/>
+                  <a:lumOff val="15000"/>
+                </a:schemeClr>
+              </a:buClr>
+            </a:pPr>
             <a:r>
               <a:rPr lang="en-US" sz="1400" b="1" dirty="0" smtClean="0">
                 <a:latin typeface="Courier New" pitchFamily="49" charset="0"/>
                 <a:cs typeface="Courier New" pitchFamily="49" charset="0"/>
               </a:rPr>
-              <a:t>web-app version</a:t>
+              <a:t>    &lt;</a:t>
             </a:r>
             <a:r>
               <a:rPr lang="en-US" sz="1400" b="1" dirty="0">
                 <a:latin typeface="Courier New" pitchFamily="49" charset="0"/>
                 <a:cs typeface="Courier New" pitchFamily="49" charset="0"/>
               </a:rPr>
-              <a:t>="2.4"</a:t>
-            </a:r>
-          </a:p>
-          <a:p>
-            <a:pPr>
-              <a:buClr>
-                <a:schemeClr val="tx1">
-                  <a:lumMod val="85000"/>
-                  <a:lumOff val="15000"/>
-                </a:schemeClr>
-              </a:buClr>
-            </a:pPr>
+              <a:t>plugins</a:t>
+            </a:r>
             <a:r>
               <a:rPr lang="en-US" sz="1400" b="1" dirty="0" smtClean="0">
                 <a:latin typeface="Courier New" pitchFamily="49" charset="0"/>
                 <a:cs typeface="Courier New" pitchFamily="49" charset="0"/>
               </a:rPr>
-              <a:t>      </a:t>
-            </a:r>
-            <a:r>
-              <a:rPr lang="en-US" sz="1400" b="1" dirty="0" err="1" smtClean="0">
-                <a:latin typeface="Courier New" pitchFamily="49" charset="0"/>
-                <a:cs typeface="Courier New" pitchFamily="49" charset="0"/>
-              </a:rPr>
-              <a:t>xmlns</a:t>
-            </a:r>
+              <a:t>&gt;</a:t>
+            </a:r>
+          </a:p>
+          <a:p>
+            <a:pPr>
+              <a:buClr>
+                <a:schemeClr val="tx1">
+                  <a:lumMod val="85000"/>
+                  <a:lumOff val="15000"/>
+                </a:schemeClr>
+              </a:buClr>
+            </a:pPr>
             <a:r>
               <a:rPr lang="en-US" sz="1400" b="1" dirty="0">
                 <a:latin typeface="Courier New" pitchFamily="49" charset="0"/>
                 <a:cs typeface="Courier New" pitchFamily="49" charset="0"/>
               </a:rPr>
-              <a:t>="http://java.sun.com/xml/ns/j2ee"</a:t>
-            </a:r>
-          </a:p>
-          <a:p>
-            <a:pPr>
-              <a:buClr>
-                <a:schemeClr val="tx1">
-                  <a:lumMod val="85000"/>
-                  <a:lumOff val="15000"/>
-                </a:schemeClr>
-              </a:buClr>
-            </a:pPr>
+              <a:t> </a:t>
+            </a:r>
             <a:r>
               <a:rPr lang="en-US" sz="1400" b="1" dirty="0" smtClean="0">
                 <a:latin typeface="Courier New" pitchFamily="49" charset="0"/>
                 <a:cs typeface="Courier New" pitchFamily="49" charset="0"/>
               </a:rPr>
-              <a:t>      </a:t>
-            </a:r>
-            <a:r>
-              <a:rPr lang="en-US" sz="1400" b="1" dirty="0" err="1" smtClean="0">
-                <a:latin typeface="Courier New" pitchFamily="49" charset="0"/>
-                <a:cs typeface="Courier New" pitchFamily="49" charset="0"/>
-              </a:rPr>
-              <a:t>xmlns:xsi</a:t>
-            </a:r>
-            <a:r>
-              <a:rPr lang="en-US" sz="1400" b="1" dirty="0">
-                <a:latin typeface="Courier New" pitchFamily="49" charset="0"/>
-                <a:cs typeface="Courier New" pitchFamily="49" charset="0"/>
-              </a:rPr>
-              <a:t>="http://www.w3.org/2001/XMLSchema-instance"</a:t>
-            </a:r>
-          </a:p>
-          <a:p>
-            <a:pPr>
-              <a:buClr>
-                <a:schemeClr val="tx1">
-                  <a:lumMod val="85000"/>
-                  <a:lumOff val="15000"/>
-                </a:schemeClr>
-              </a:buClr>
-            </a:pPr>
-            <a:r>
-              <a:rPr lang="en-US" sz="1400" b="1" dirty="0" smtClean="0">
-                <a:latin typeface="Courier New" pitchFamily="49" charset="0"/>
-                <a:cs typeface="Courier New" pitchFamily="49" charset="0"/>
-              </a:rPr>
-              <a:t>      </a:t>
-            </a:r>
-            <a:r>
-              <a:rPr lang="en-US" sz="1400" b="1" dirty="0" err="1" smtClean="0">
-                <a:latin typeface="Courier New" pitchFamily="49" charset="0"/>
-                <a:cs typeface="Courier New" pitchFamily="49" charset="0"/>
-              </a:rPr>
-              <a:t>xsi:schemaLocation</a:t>
-            </a:r>
-            <a:r>
-              <a:rPr lang="en-US" sz="1400" b="1" dirty="0">
-                <a:latin typeface="Courier New" pitchFamily="49" charset="0"/>
-                <a:cs typeface="Courier New" pitchFamily="49" charset="0"/>
-              </a:rPr>
-              <a:t>="http://java.sun.com/xml/ns/j2ee</a:t>
-            </a:r>
-          </a:p>
-          <a:p>
-            <a:pPr>
-              <a:buClr>
-                <a:schemeClr val="tx1">
-                  <a:lumMod val="85000"/>
-                  <a:lumOff val="15000"/>
-                </a:schemeClr>
-              </a:buClr>
-            </a:pPr>
-            <a:r>
-              <a:rPr lang="en-US" sz="1400" b="1" dirty="0" smtClean="0">
-                <a:latin typeface="Courier New" pitchFamily="49" charset="0"/>
-                <a:cs typeface="Courier New" pitchFamily="49" charset="0"/>
-              </a:rPr>
-              <a:t>                          http</a:t>
-            </a:r>
-            <a:r>
-              <a:rPr lang="en-US" sz="1400" b="1" dirty="0">
-                <a:latin typeface="Courier New" pitchFamily="49" charset="0"/>
-                <a:cs typeface="Courier New" pitchFamily="49" charset="0"/>
-              </a:rPr>
-              <a:t>://java.sun.com/xml/ns/j2ee/web-app_2_4.xsd</a:t>
-            </a:r>
-            <a:r>
-              <a:rPr lang="en-US" sz="1400" b="1" dirty="0" smtClean="0">
-                <a:latin typeface="Courier New" pitchFamily="49" charset="0"/>
-                <a:cs typeface="Courier New" pitchFamily="49" charset="0"/>
-              </a:rPr>
-              <a:t>"&gt;</a:t>
+              <a:t>       ...</a:t>
             </a:r>
             <a:endParaRPr lang="en-US" sz="1400" b="1" dirty="0">
               <a:latin typeface="Courier New" pitchFamily="49" charset="0"/>
@@ -5153,55 +6109,72 @@
                 </a:schemeClr>
               </a:buClr>
             </a:pPr>
-            <a:endParaRPr lang="en-US" sz="1400" b="1" dirty="0">
-              <a:latin typeface="Courier New" pitchFamily="49" charset="0"/>
-              <a:cs typeface="Courier New" pitchFamily="49" charset="0"/>
-            </a:endParaRPr>
-          </a:p>
-          <a:p>
-            <a:pPr>
-              <a:buClr>
-                <a:schemeClr val="tx1">
-                  <a:lumMod val="85000"/>
-                  <a:lumOff val="15000"/>
-                </a:schemeClr>
-              </a:buClr>
-            </a:pPr>
             <a:r>
               <a:rPr lang="en-US" sz="1400" b="1" dirty="0" smtClean="0">
                 <a:latin typeface="Courier New" pitchFamily="49" charset="0"/>
                 <a:cs typeface="Courier New" pitchFamily="49" charset="0"/>
               </a:rPr>
-              <a:t>    &lt;display-name</a:t>
+              <a:t>        &lt;</a:t>
             </a:r>
             <a:r>
               <a:rPr lang="en-US" sz="1400" b="1" dirty="0">
                 <a:latin typeface="Courier New" pitchFamily="49" charset="0"/>
                 <a:cs typeface="Courier New" pitchFamily="49" charset="0"/>
               </a:rPr>
-              <a:t>&gt;...&lt;/display-name&gt;</a:t>
-            </a:r>
-          </a:p>
-          <a:p>
-            <a:pPr>
-              <a:buClr>
-                <a:schemeClr val="tx1">
-                  <a:lumMod val="85000"/>
-                  <a:lumOff val="15000"/>
-                </a:schemeClr>
-              </a:buClr>
-            </a:pPr>
+              <a:t>plugin&gt;            </a:t>
+            </a:r>
+          </a:p>
+          <a:p>
+            <a:pPr>
+              <a:buClr>
+                <a:schemeClr val="tx1">
+                  <a:lumMod val="85000"/>
+                  <a:lumOff val="15000"/>
+                </a:schemeClr>
+              </a:buClr>
+            </a:pPr>
+            <a:r>
+              <a:rPr lang="en-US" sz="1400" b="1" dirty="0">
+                <a:latin typeface="Courier New" pitchFamily="49" charset="0"/>
+                <a:cs typeface="Courier New" pitchFamily="49" charset="0"/>
+              </a:rPr>
+              <a:t> </a:t>
+            </a:r>
             <a:r>
               <a:rPr lang="en-US" sz="1400" b="1" dirty="0" smtClean="0">
                 <a:latin typeface="Courier New" pitchFamily="49" charset="0"/>
                 <a:cs typeface="Courier New" pitchFamily="49" charset="0"/>
               </a:rPr>
-              <a:t>   </a:t>
-            </a:r>
-            <a:endParaRPr lang="en-US" sz="1400" b="1" dirty="0">
-              <a:latin typeface="Courier New" pitchFamily="49" charset="0"/>
-              <a:cs typeface="Courier New" pitchFamily="49" charset="0"/>
-            </a:endParaRPr>
+              <a:t>           &lt;</a:t>
+            </a:r>
+            <a:r>
+              <a:rPr lang="en-US" sz="1400" b="1" dirty="0" err="1">
+                <a:latin typeface="Courier New" pitchFamily="49" charset="0"/>
+                <a:cs typeface="Courier New" pitchFamily="49" charset="0"/>
+              </a:rPr>
+              <a:t>artifactId</a:t>
+            </a:r>
+            <a:r>
+              <a:rPr lang="en-US" sz="1400" b="1" dirty="0">
+                <a:latin typeface="Courier New" pitchFamily="49" charset="0"/>
+                <a:cs typeface="Courier New" pitchFamily="49" charset="0"/>
+              </a:rPr>
+              <a:t>&gt;maven-ear-plugin&lt;/</a:t>
+            </a:r>
+            <a:r>
+              <a:rPr lang="en-US" sz="1400" b="1" dirty="0" err="1">
+                <a:latin typeface="Courier New" pitchFamily="49" charset="0"/>
+                <a:cs typeface="Courier New" pitchFamily="49" charset="0"/>
+              </a:rPr>
+              <a:t>artifactId</a:t>
+            </a:r>
+            <a:r>
+              <a:rPr lang="en-US" sz="1400" b="1" dirty="0">
+                <a:latin typeface="Courier New" pitchFamily="49" charset="0"/>
+                <a:cs typeface="Courier New" pitchFamily="49" charset="0"/>
+              </a:rPr>
+              <a:t>&gt;</a:t>
+            </a:r>
           </a:p>
           <a:p>
             <a:pPr>
@@ -5217,14 +6190,121 @@
                 <a:latin typeface="Courier New" pitchFamily="49" charset="0"/>
                 <a:cs typeface="Courier New" pitchFamily="49" charset="0"/>
               </a:rPr>
-              <a:t>    &lt;context-</a:t>
+              <a:t>            &lt;</a:t>
+            </a:r>
+            <a:r>
+              <a:rPr lang="en-US" sz="1400" b="1" dirty="0">
+                <a:latin typeface="Courier New" pitchFamily="49" charset="0"/>
+                <a:cs typeface="Courier New" pitchFamily="49" charset="0"/>
+              </a:rPr>
+              <a:t>configuration&gt;</a:t>
+            </a:r>
+          </a:p>
+          <a:p>
+            <a:pPr>
+              <a:buClr>
+                <a:schemeClr val="tx1">
+                  <a:lumMod val="85000"/>
+                  <a:lumOff val="15000"/>
+                </a:schemeClr>
+              </a:buClr>
+            </a:pPr>
+            <a:r>
+              <a:rPr lang="en-US" sz="1400" b="1" dirty="0" smtClean="0">
+                <a:latin typeface="Courier New" pitchFamily="49" charset="0"/>
+                <a:cs typeface="Courier New" pitchFamily="49" charset="0"/>
+              </a:rPr>
+              <a:t>                &lt;</a:t>
+            </a:r>
+            <a:r>
+              <a:rPr lang="en-US" sz="1400" b="1" dirty="0">
+                <a:latin typeface="Courier New" pitchFamily="49" charset="0"/>
+                <a:cs typeface="Courier New" pitchFamily="49" charset="0"/>
+              </a:rPr>
+              <a:t>modules&gt;</a:t>
+            </a:r>
+          </a:p>
+          <a:p>
+            <a:pPr>
+              <a:buClr>
+                <a:schemeClr val="tx1">
+                  <a:lumMod val="85000"/>
+                  <a:lumOff val="15000"/>
+                </a:schemeClr>
+              </a:buClr>
+            </a:pPr>
+            <a:r>
+              <a:rPr lang="en-US" sz="1400" b="1" dirty="0" smtClean="0">
+                <a:latin typeface="Courier New" pitchFamily="49" charset="0"/>
+                <a:cs typeface="Courier New" pitchFamily="49" charset="0"/>
+              </a:rPr>
+              <a:t>                    &lt;</a:t>
+            </a:r>
+            <a:r>
+              <a:rPr lang="en-US" sz="1400" b="1" dirty="0" err="1">
+                <a:latin typeface="Courier New" pitchFamily="49" charset="0"/>
+                <a:cs typeface="Courier New" pitchFamily="49" charset="0"/>
+              </a:rPr>
+              <a:t>webModule</a:t>
+            </a:r>
+            <a:r>
+              <a:rPr lang="en-US" sz="1400" b="1" dirty="0">
+                <a:latin typeface="Courier New" pitchFamily="49" charset="0"/>
+                <a:cs typeface="Courier New" pitchFamily="49" charset="0"/>
+              </a:rPr>
+              <a:t>&gt;</a:t>
+            </a:r>
+          </a:p>
+          <a:p>
+            <a:pPr>
+              <a:buClr>
+                <a:schemeClr val="tx1">
+                  <a:lumMod val="85000"/>
+                  <a:lumOff val="15000"/>
+                </a:schemeClr>
+              </a:buClr>
+            </a:pPr>
+            <a:r>
+              <a:rPr lang="en-US" sz="1400" b="1" dirty="0" smtClean="0">
+                <a:latin typeface="Courier New" pitchFamily="49" charset="0"/>
+                <a:cs typeface="Courier New" pitchFamily="49" charset="0"/>
+              </a:rPr>
+              <a:t>                        &lt;</a:t>
             </a:r>
             <a:r>
               <a:rPr lang="en-US" sz="1400" b="1" dirty="0" err="1" smtClean="0">
                 <a:latin typeface="Courier New" pitchFamily="49" charset="0"/>
                 <a:cs typeface="Courier New" pitchFamily="49" charset="0"/>
               </a:rPr>
-              <a:t>param</a:t>
+              <a:t>groupId</a:t>
+            </a:r>
+            <a:r>
+              <a:rPr lang="en-US" sz="1400" b="1" dirty="0" smtClean="0">
+                <a:latin typeface="Courier New" pitchFamily="49" charset="0"/>
+                <a:cs typeface="Courier New" pitchFamily="49" charset="0"/>
+              </a:rPr>
+              <a:t>&gt;</a:t>
+            </a:r>
+            <a:r>
+              <a:rPr lang="en-US" sz="1400" b="1" dirty="0" err="1" smtClean="0">
+                <a:latin typeface="Courier New" pitchFamily="49" charset="0"/>
+                <a:cs typeface="Courier New" pitchFamily="49" charset="0"/>
+              </a:rPr>
+              <a:t>ru.mrdekk</a:t>
+            </a:r>
+            <a:r>
+              <a:rPr lang="en-US" sz="1400" b="1" dirty="0" smtClean="0">
+                <a:latin typeface="Courier New" pitchFamily="49" charset="0"/>
+                <a:cs typeface="Courier New" pitchFamily="49" charset="0"/>
+              </a:rPr>
+              <a:t>&lt;/</a:t>
+            </a:r>
+            <a:r>
+              <a:rPr lang="en-US" sz="1400" b="1" dirty="0" err="1">
+                <a:latin typeface="Courier New" pitchFamily="49" charset="0"/>
+                <a:cs typeface="Courier New" pitchFamily="49" charset="0"/>
+              </a:rPr>
+              <a:t>groupId</a:t>
             </a:r>
             <a:r>
               <a:rPr lang="en-US" sz="1400" b="1" dirty="0">
@@ -5248,49 +6328,128 @@
                 <a:latin typeface="Courier New" pitchFamily="49" charset="0"/>
                 <a:cs typeface="Courier New" pitchFamily="49" charset="0"/>
               </a:rPr>
-              <a:t>        &lt;</a:t>
+              <a:t>                        &lt;</a:t>
+            </a:r>
+            <a:r>
+              <a:rPr lang="en-US" sz="1400" b="1" dirty="0" err="1" smtClean="0">
+                <a:latin typeface="Courier New" pitchFamily="49" charset="0"/>
+                <a:cs typeface="Courier New" pitchFamily="49" charset="0"/>
+              </a:rPr>
+              <a:t>artifactId</a:t>
+            </a:r>
+            <a:r>
+              <a:rPr lang="en-US" sz="1400" b="1" dirty="0" smtClean="0">
+                <a:latin typeface="Courier New" pitchFamily="49" charset="0"/>
+                <a:cs typeface="Courier New" pitchFamily="49" charset="0"/>
+              </a:rPr>
+              <a:t>&gt;warp&lt;/</a:t>
             </a:r>
             <a:r>
               <a:rPr lang="en-US" sz="1400" b="1" dirty="0" err="1">
                 <a:latin typeface="Courier New" pitchFamily="49" charset="0"/>
                 <a:cs typeface="Courier New" pitchFamily="49" charset="0"/>
               </a:rPr>
-              <a:t>param</a:t>
+              <a:t>artifactId</a:t>
             </a:r>
             <a:r>
               <a:rPr lang="en-US" sz="1400" b="1" dirty="0">
                 <a:latin typeface="Courier New" pitchFamily="49" charset="0"/>
                 <a:cs typeface="Courier New" pitchFamily="49" charset="0"/>
               </a:rPr>
-              <a:t>-name&gt;</a:t>
+              <a:t>&gt;</a:t>
+            </a:r>
+          </a:p>
+          <a:p>
+            <a:pPr>
+              <a:buClr>
+                <a:schemeClr val="tx1">
+                  <a:lumMod val="85000"/>
+                  <a:lumOff val="15000"/>
+                </a:schemeClr>
+              </a:buClr>
+            </a:pPr>
+            <a:r>
+              <a:rPr lang="en-US" sz="1400" b="1" dirty="0" smtClean="0">
+                <a:latin typeface="Courier New" pitchFamily="49" charset="0"/>
+                <a:cs typeface="Courier New" pitchFamily="49" charset="0"/>
+              </a:rPr>
+              <a:t>                        &lt;</a:t>
             </a:r>
             <a:r>
               <a:rPr lang="en-US" sz="1400" b="1" dirty="0" err="1">
                 <a:latin typeface="Courier New" pitchFamily="49" charset="0"/>
                 <a:cs typeface="Courier New" pitchFamily="49" charset="0"/>
               </a:rPr>
-              <a:t>contextConfigLocation</a:t>
+              <a:t>contextRoot</a:t>
+            </a:r>
+            <a:r>
+              <a:rPr lang="en-US" sz="1400" b="1" dirty="0" smtClean="0">
+                <a:latin typeface="Courier New" pitchFamily="49" charset="0"/>
+                <a:cs typeface="Courier New" pitchFamily="49" charset="0"/>
+              </a:rPr>
+              <a:t>&gt;</a:t>
+            </a:r>
+            <a:r>
+              <a:rPr lang="en-US" sz="1400" b="1" dirty="0" smtClean="0">
+                <a:solidFill>
+                  <a:srgbClr val="C00000"/>
+                </a:solidFill>
+                <a:latin typeface="Courier New" pitchFamily="49" charset="0"/>
+                <a:cs typeface="Courier New" pitchFamily="49" charset="0"/>
+              </a:rPr>
+              <a:t>/warp</a:t>
+            </a:r>
+            <a:r>
+              <a:rPr lang="en-US" sz="1400" b="1" dirty="0" smtClean="0">
+                <a:latin typeface="Courier New" pitchFamily="49" charset="0"/>
+                <a:cs typeface="Courier New" pitchFamily="49" charset="0"/>
+              </a:rPr>
+              <a:t>&lt;/</a:t>
+            </a:r>
+            <a:r>
+              <a:rPr lang="en-US" sz="1400" b="1" dirty="0" err="1">
+                <a:latin typeface="Courier New" pitchFamily="49" charset="0"/>
+                <a:cs typeface="Courier New" pitchFamily="49" charset="0"/>
+              </a:rPr>
+              <a:t>contextRoot</a:t>
             </a:r>
             <a:r>
               <a:rPr lang="en-US" sz="1400" b="1" dirty="0">
                 <a:latin typeface="Courier New" pitchFamily="49" charset="0"/>
                 <a:cs typeface="Courier New" pitchFamily="49" charset="0"/>
               </a:rPr>
-              <a:t>&lt;/</a:t>
+              <a:t>&gt;</a:t>
+            </a:r>
+          </a:p>
+          <a:p>
+            <a:pPr>
+              <a:buClr>
+                <a:schemeClr val="tx1">
+                  <a:lumMod val="85000"/>
+                  <a:lumOff val="15000"/>
+                </a:schemeClr>
+              </a:buClr>
+            </a:pPr>
+            <a:r>
+              <a:rPr lang="en-US" sz="1400" b="1" dirty="0" smtClean="0">
+                <a:latin typeface="Courier New" pitchFamily="49" charset="0"/>
+                <a:cs typeface="Courier New" pitchFamily="49" charset="0"/>
+              </a:rPr>
+              <a:t>                    &lt;/</a:t>
             </a:r>
             <a:r>
               <a:rPr lang="en-US" sz="1400" b="1" dirty="0" err="1">
                 <a:latin typeface="Courier New" pitchFamily="49" charset="0"/>
                 <a:cs typeface="Courier New" pitchFamily="49" charset="0"/>
               </a:rPr>
-              <a:t>param</a:t>
+              <a:t>webModule</a:t>
             </a:r>
             <a:r>
               <a:rPr lang="en-US" sz="1400" b="1" dirty="0">
                 <a:latin typeface="Courier New" pitchFamily="49" charset="0"/>
                 <a:cs typeface="Courier New" pitchFamily="49" charset="0"/>
               </a:rPr>
-              <a:t>-name&gt;</a:t>
+              <a:t>&gt;</a:t>
             </a:r>
           </a:p>
           <a:p>
@@ -5307,35 +6466,59 @@
                 <a:latin typeface="Courier New" pitchFamily="49" charset="0"/>
                 <a:cs typeface="Courier New" pitchFamily="49" charset="0"/>
               </a:rPr>
-              <a:t>        &lt;</a:t>
+              <a:t>                &lt;/</a:t>
+            </a:r>
+            <a:r>
+              <a:rPr lang="en-US" sz="1400" b="1" dirty="0">
+                <a:latin typeface="Courier New" pitchFamily="49" charset="0"/>
+                <a:cs typeface="Courier New" pitchFamily="49" charset="0"/>
+              </a:rPr>
+              <a:t>modules&gt;</a:t>
+            </a:r>
+          </a:p>
+          <a:p>
+            <a:pPr>
+              <a:buClr>
+                <a:schemeClr val="tx1">
+                  <a:lumMod val="85000"/>
+                  <a:lumOff val="15000"/>
+                </a:schemeClr>
+              </a:buClr>
+            </a:pPr>
+            <a:r>
+              <a:rPr lang="en-US" sz="1400" b="1" dirty="0" smtClean="0">
+                <a:latin typeface="Courier New" pitchFamily="49" charset="0"/>
+                <a:cs typeface="Courier New" pitchFamily="49" charset="0"/>
+              </a:rPr>
+              <a:t>                &lt;</a:t>
+            </a:r>
+            <a:r>
+              <a:rPr lang="en-US" sz="1400" b="1" dirty="0" err="1" smtClean="0">
+                <a:latin typeface="Courier New" pitchFamily="49" charset="0"/>
+                <a:cs typeface="Courier New" pitchFamily="49" charset="0"/>
+              </a:rPr>
+              <a:t>displayName</a:t>
+            </a:r>
+            <a:r>
+              <a:rPr lang="en-US" sz="1400" b="1" dirty="0" smtClean="0">
+                <a:latin typeface="Courier New" pitchFamily="49" charset="0"/>
+                <a:cs typeface="Courier New" pitchFamily="49" charset="0"/>
+              </a:rPr>
+              <a:t>&gt;WAR-Project&lt;/</a:t>
             </a:r>
             <a:r>
               <a:rPr lang="en-US" sz="1400" b="1" dirty="0" err="1">
                 <a:latin typeface="Courier New" pitchFamily="49" charset="0"/>
                 <a:cs typeface="Courier New" pitchFamily="49" charset="0"/>
               </a:rPr>
-              <a:t>param</a:t>
+              <a:t>displayName</a:t>
             </a:r>
             <a:r>
               <a:rPr lang="en-US" sz="1400" b="1" dirty="0">
                 <a:latin typeface="Courier New" pitchFamily="49" charset="0"/>
                 <a:cs typeface="Courier New" pitchFamily="49" charset="0"/>
               </a:rPr>
-              <a:t>-value&gt;/WEB-INF/beans-web.xml&lt;/</a:t>
-            </a:r>
-            <a:r>
-              <a:rPr lang="en-US" sz="1400" b="1" dirty="0" err="1">
-                <a:latin typeface="Courier New" pitchFamily="49" charset="0"/>
-                <a:cs typeface="Courier New" pitchFamily="49" charset="0"/>
-              </a:rPr>
-              <a:t>param</a:t>
-            </a:r>
-            <a:r>
-              <a:rPr lang="en-US" sz="1400" b="1" dirty="0">
-                <a:latin typeface="Courier New" pitchFamily="49" charset="0"/>
-                <a:cs typeface="Courier New" pitchFamily="49" charset="0"/>
-              </a:rPr>
-              <a:t>-value&gt;</a:t>
+              <a:t>&gt;</a:t>
             </a:r>
           </a:p>
           <a:p>
@@ -5352,910 +6535,14 @@
                 <a:latin typeface="Courier New" pitchFamily="49" charset="0"/>
                 <a:cs typeface="Courier New" pitchFamily="49" charset="0"/>
               </a:rPr>
-              <a:t>    &lt;/</a:t>
-            </a:r>
-            <a:r>
-              <a:rPr lang="en-US" sz="1400" b="1" dirty="0">
-                <a:latin typeface="Courier New" pitchFamily="49" charset="0"/>
-                <a:cs typeface="Courier New" pitchFamily="49" charset="0"/>
-              </a:rPr>
-              <a:t>context-</a:t>
-            </a:r>
-            <a:r>
-              <a:rPr lang="en-US" sz="1400" b="1" dirty="0" err="1">
-                <a:latin typeface="Courier New" pitchFamily="49" charset="0"/>
-                <a:cs typeface="Courier New" pitchFamily="49" charset="0"/>
-              </a:rPr>
-              <a:t>param</a:t>
-            </a:r>
-            <a:r>
-              <a:rPr lang="en-US" sz="1400" b="1" dirty="0">
-                <a:latin typeface="Courier New" pitchFamily="49" charset="0"/>
-                <a:cs typeface="Courier New" pitchFamily="49" charset="0"/>
-              </a:rPr>
-              <a:t>&gt;</a:t>
-            </a:r>
-          </a:p>
-          <a:p>
-            <a:pPr>
-              <a:buClr>
-                <a:schemeClr val="tx1">
-                  <a:lumMod val="85000"/>
-                  <a:lumOff val="15000"/>
-                </a:schemeClr>
-              </a:buClr>
-            </a:pPr>
-            <a:r>
-              <a:rPr lang="en-US" sz="1400" b="1" dirty="0">
-                <a:latin typeface="Courier New" pitchFamily="49" charset="0"/>
-                <a:cs typeface="Courier New" pitchFamily="49" charset="0"/>
-              </a:rPr>
-              <a:t>	</a:t>
-            </a:r>
-          </a:p>
-          <a:p>
-            <a:pPr>
-              <a:buClr>
-                <a:schemeClr val="tx1">
-                  <a:lumMod val="85000"/>
-                  <a:lumOff val="15000"/>
-                </a:schemeClr>
-              </a:buClr>
-            </a:pPr>
+              <a:t>             </a:t>
+            </a:r>
             <a:r>
               <a:rPr lang="en-US" sz="1400" b="1" dirty="0" smtClean="0">
                 <a:latin typeface="Courier New" pitchFamily="49" charset="0"/>
                 <a:cs typeface="Courier New" pitchFamily="49" charset="0"/>
               </a:rPr>
-              <a:t>    &lt;</a:t>
-            </a:r>
-            <a:r>
-              <a:rPr lang="en-US" sz="1400" b="1" dirty="0">
-                <a:latin typeface="Courier New" pitchFamily="49" charset="0"/>
-                <a:cs typeface="Courier New" pitchFamily="49" charset="0"/>
-              </a:rPr>
-              <a:t>listener&gt;</a:t>
-            </a:r>
-          </a:p>
-          <a:p>
-            <a:pPr>
-              <a:buClr>
-                <a:schemeClr val="tx1">
-                  <a:lumMod val="85000"/>
-                  <a:lumOff val="15000"/>
-                </a:schemeClr>
-              </a:buClr>
-            </a:pPr>
-            <a:r>
-              <a:rPr lang="en-US" sz="1400" b="1" dirty="0" smtClean="0">
-                <a:latin typeface="Courier New" pitchFamily="49" charset="0"/>
-                <a:cs typeface="Courier New" pitchFamily="49" charset="0"/>
-              </a:rPr>
-              <a:t>        &lt;listener-class&gt;</a:t>
-            </a:r>
-          </a:p>
-          <a:p>
-            <a:pPr>
-              <a:buClr>
-                <a:schemeClr val="tx1">
-                  <a:lumMod val="85000"/>
-                  <a:lumOff val="15000"/>
-                </a:schemeClr>
-              </a:buClr>
-            </a:pPr>
-            <a:r>
-              <a:rPr lang="en-US" sz="1400" b="1" dirty="0" smtClean="0">
-                <a:latin typeface="Courier New" pitchFamily="49" charset="0"/>
-                <a:cs typeface="Courier New" pitchFamily="49" charset="0"/>
-              </a:rPr>
-              <a:t>            </a:t>
-            </a:r>
-            <a:r>
-              <a:rPr lang="en-US" sz="1400" b="1" dirty="0" err="1" smtClean="0">
-                <a:latin typeface="Courier New" pitchFamily="49" charset="0"/>
-                <a:cs typeface="Courier New" pitchFamily="49" charset="0"/>
-              </a:rPr>
-              <a:t>org.springframework.web.context.ContextLoaderListener</a:t>
-            </a:r>
-            <a:endParaRPr lang="en-US" sz="1400" b="1" dirty="0" smtClean="0">
-              <a:latin typeface="Courier New" pitchFamily="49" charset="0"/>
-              <a:cs typeface="Courier New" pitchFamily="49" charset="0"/>
-            </a:endParaRPr>
-          </a:p>
-          <a:p>
-            <a:pPr>
-              <a:buClr>
-                <a:schemeClr val="tx1">
-                  <a:lumMod val="85000"/>
-                  <a:lumOff val="15000"/>
-                </a:schemeClr>
-              </a:buClr>
-            </a:pPr>
-            <a:r>
-              <a:rPr lang="en-US" sz="1400" b="1" dirty="0">
-                <a:latin typeface="Courier New" pitchFamily="49" charset="0"/>
-                <a:cs typeface="Courier New" pitchFamily="49" charset="0"/>
-              </a:rPr>
-              <a:t> </a:t>
-            </a:r>
-            <a:r>
-              <a:rPr lang="en-US" sz="1400" b="1" dirty="0" smtClean="0">
-                <a:latin typeface="Courier New" pitchFamily="49" charset="0"/>
-                <a:cs typeface="Courier New" pitchFamily="49" charset="0"/>
-              </a:rPr>
-              <a:t>       &lt;/</a:t>
-            </a:r>
-            <a:r>
-              <a:rPr lang="en-US" sz="1400" b="1" dirty="0">
-                <a:latin typeface="Courier New" pitchFamily="49" charset="0"/>
-                <a:cs typeface="Courier New" pitchFamily="49" charset="0"/>
-              </a:rPr>
-              <a:t>listener-class&gt;</a:t>
-            </a:r>
-          </a:p>
-          <a:p>
-            <a:pPr>
-              <a:buClr>
-                <a:schemeClr val="tx1">
-                  <a:lumMod val="85000"/>
-                  <a:lumOff val="15000"/>
-                </a:schemeClr>
-              </a:buClr>
-            </a:pPr>
-            <a:r>
-              <a:rPr lang="en-US" sz="1400" b="1" dirty="0" smtClean="0">
-                <a:latin typeface="Courier New" pitchFamily="49" charset="0"/>
-                <a:cs typeface="Courier New" pitchFamily="49" charset="0"/>
-              </a:rPr>
-              <a:t>    &lt;/</a:t>
-            </a:r>
-            <a:r>
-              <a:rPr lang="en-US" sz="1400" b="1" dirty="0">
-                <a:latin typeface="Courier New" pitchFamily="49" charset="0"/>
-                <a:cs typeface="Courier New" pitchFamily="49" charset="0"/>
-              </a:rPr>
-              <a:t>listener</a:t>
-            </a:r>
-            <a:r>
-              <a:rPr lang="en-US" sz="1400" b="1" dirty="0" smtClean="0">
-                <a:latin typeface="Courier New" pitchFamily="49" charset="0"/>
-                <a:cs typeface="Courier New" pitchFamily="49" charset="0"/>
-              </a:rPr>
-              <a:t>&gt;</a:t>
-            </a:r>
-            <a:r>
-              <a:rPr lang="en-US" sz="1400" b="1" dirty="0">
-                <a:latin typeface="Courier New" pitchFamily="49" charset="0"/>
-                <a:cs typeface="Courier New" pitchFamily="49" charset="0"/>
-              </a:rPr>
-              <a:t>	</a:t>
-            </a:r>
-          </a:p>
-          <a:p>
-            <a:pPr>
-              <a:buClr>
-                <a:schemeClr val="tx1">
-                  <a:lumMod val="85000"/>
-                  <a:lumOff val="15000"/>
-                </a:schemeClr>
-              </a:buClr>
-            </a:pPr>
-            <a:r>
-              <a:rPr lang="en-US" sz="1400" b="1" dirty="0">
-                <a:latin typeface="Courier New" pitchFamily="49" charset="0"/>
-                <a:cs typeface="Courier New" pitchFamily="49" charset="0"/>
-              </a:rPr>
-              <a:t>&lt;/web-app</a:t>
-            </a:r>
-            <a:r>
-              <a:rPr lang="en-US" sz="1400" b="1" dirty="0" smtClean="0">
-                <a:latin typeface="Courier New" pitchFamily="49" charset="0"/>
-                <a:cs typeface="Courier New" pitchFamily="49" charset="0"/>
-              </a:rPr>
-              <a:t>&gt;</a:t>
-            </a:r>
-            <a:endParaRPr lang="en-US" sz="1400" b="1" dirty="0">
-              <a:latin typeface="Courier New" pitchFamily="49" charset="0"/>
-              <a:cs typeface="Courier New" pitchFamily="49" charset="0"/>
-            </a:endParaRPr>
-          </a:p>
-        </p:txBody>
-      </p:sp>
-    </p:spTree>
-    <p:extLst>
-      <p:ext uri="{BB962C8B-B14F-4D97-AF65-F5344CB8AC3E}">
-        <p14:creationId xmlns:p14="http://schemas.microsoft.com/office/powerpoint/2010/main" val="1115756738"/>
-      </p:ext>
-    </p:extLst>
-  </p:cSld>
-  <p:clrMapOvr>
-    <a:masterClrMapping/>
-  </p:clrMapOvr>
-  <p:timing>
-    <p:tnLst>
-      <p:par>
-        <p:cTn id="1" dur="indefinite" restart="never" nodeType="tmRoot"/>
-      </p:par>
-    </p:tnLst>
-  </p:timing>
-</p:sld>
-</file>
-
-<file path=ppt/slides/slide16.xml><?xml version="1.0" encoding="utf-8"?>
-<p:sld xmlns:a="http://schemas.openxmlformats.org/drawingml/2006/main" xmlns:r="http://schemas.openxmlformats.org/officeDocument/2006/relationships" xmlns:p="http://schemas.openxmlformats.org/presentationml/2006/main">
-  <p:cSld>
-    <p:spTree>
-      <p:nvGrpSpPr>
-        <p:cNvPr id="1" name=""/>
-        <p:cNvGrpSpPr/>
-        <p:nvPr/>
-      </p:nvGrpSpPr>
-      <p:grpSpPr>
-        <a:xfrm>
-          <a:off x="0" y="0"/>
-          <a:ext cx="0" cy="0"/>
-          <a:chOff x="0" y="0"/>
-          <a:chExt cx="0" cy="0"/>
-        </a:xfrm>
-      </p:grpSpPr>
-      <p:sp>
-        <p:nvSpPr>
-          <p:cNvPr id="2" name="Title 1"/>
-          <p:cNvSpPr>
-            <a:spLocks noGrp="1"/>
-          </p:cNvSpPr>
-          <p:nvPr>
-            <p:ph type="title"/>
-          </p:nvPr>
-        </p:nvSpPr>
-        <p:spPr>
-          <a:xfrm>
-            <a:off x="457200" y="274638"/>
-            <a:ext cx="8229600" cy="439718"/>
-          </a:xfrm>
-          <a:ln>
-            <a:noFill/>
-          </a:ln>
-        </p:spPr>
-        <p:txBody>
-          <a:bodyPr>
-            <a:normAutofit fontScale="90000"/>
-          </a:bodyPr>
-          <a:lstStyle/>
-          <a:p>
-            <a:pPr algn="l"/>
-            <a:r>
-              <a:rPr lang="en-US" sz="3200" dirty="0" smtClean="0"/>
-              <a:t>ear </a:t>
-            </a:r>
-            <a:r>
-              <a:rPr lang="ru-RU" sz="3200" dirty="0"/>
-              <a:t>с помощью </a:t>
-            </a:r>
-            <a:r>
-              <a:rPr lang="en-US" sz="3200" dirty="0" smtClean="0"/>
-              <a:t>maven</a:t>
-            </a:r>
-            <a:endParaRPr lang="ru-RU" sz="3200" dirty="0"/>
-          </a:p>
-        </p:txBody>
-      </p:sp>
-      <p:cxnSp>
-        <p:nvCxnSpPr>
-          <p:cNvPr id="7" name="Straight Connector 6"/>
-          <p:cNvCxnSpPr/>
-          <p:nvPr/>
-        </p:nvCxnSpPr>
-        <p:spPr>
-          <a:xfrm>
-            <a:off x="428596" y="714356"/>
-            <a:ext cx="8286808" cy="1588"/>
-          </a:xfrm>
-          <a:prstGeom prst="line">
-            <a:avLst/>
-          </a:prstGeom>
-          <a:ln>
-            <a:solidFill>
-              <a:schemeClr val="tx1"/>
-            </a:solidFill>
-          </a:ln>
-        </p:spPr>
-        <p:style>
-          <a:lnRef idx="1">
-            <a:schemeClr val="accent1"/>
-          </a:lnRef>
-          <a:fillRef idx="0">
-            <a:schemeClr val="accent1"/>
-          </a:fillRef>
-          <a:effectRef idx="0">
-            <a:schemeClr val="accent1"/>
-          </a:effectRef>
-          <a:fontRef idx="minor">
-            <a:schemeClr val="tx1"/>
-          </a:fontRef>
-        </p:style>
-      </p:cxnSp>
-      <p:sp>
-        <p:nvSpPr>
-          <p:cNvPr id="10" name="TextBox 9"/>
-          <p:cNvSpPr txBox="1"/>
-          <p:nvPr/>
-        </p:nvSpPr>
-        <p:spPr>
-          <a:xfrm>
-            <a:off x="428596" y="1000108"/>
-            <a:ext cx="8286808" cy="5509200"/>
-          </a:xfrm>
-          <a:prstGeom prst="rect">
-            <a:avLst/>
-          </a:prstGeom>
-          <a:noFill/>
-        </p:spPr>
-        <p:txBody>
-          <a:bodyPr wrap="square" rtlCol="0">
-            <a:spAutoFit/>
-          </a:bodyPr>
-          <a:lstStyle/>
-          <a:p>
-            <a:pPr>
-              <a:buClr>
-                <a:schemeClr val="tx1">
-                  <a:lumMod val="85000"/>
-                  <a:lumOff val="15000"/>
-                </a:schemeClr>
-              </a:buClr>
-            </a:pPr>
-            <a:r>
-              <a:rPr lang="en-US" sz="1400" b="1" dirty="0" smtClean="0">
-                <a:latin typeface="Courier New" pitchFamily="49" charset="0"/>
-                <a:cs typeface="Courier New" pitchFamily="49" charset="0"/>
-              </a:rPr>
-              <a:t>...</a:t>
-            </a:r>
-          </a:p>
-          <a:p>
-            <a:pPr>
-              <a:buClr>
-                <a:schemeClr val="tx1">
-                  <a:lumMod val="85000"/>
-                  <a:lumOff val="15000"/>
-                </a:schemeClr>
-              </a:buClr>
-            </a:pPr>
-            <a:r>
-              <a:rPr lang="en-US" sz="1400" b="1" dirty="0" smtClean="0">
-                <a:latin typeface="Courier New" pitchFamily="49" charset="0"/>
-                <a:cs typeface="Courier New" pitchFamily="49" charset="0"/>
-              </a:rPr>
-              <a:t>&lt;packaging&gt;ear&lt;/</a:t>
-            </a:r>
-            <a:r>
-              <a:rPr lang="en-US" sz="1400" b="1" dirty="0">
-                <a:latin typeface="Courier New" pitchFamily="49" charset="0"/>
-                <a:cs typeface="Courier New" pitchFamily="49" charset="0"/>
-              </a:rPr>
-              <a:t>packaging</a:t>
-            </a:r>
-            <a:r>
-              <a:rPr lang="en-US" sz="1400" b="1" dirty="0" smtClean="0">
-                <a:latin typeface="Courier New" pitchFamily="49" charset="0"/>
-                <a:cs typeface="Courier New" pitchFamily="49" charset="0"/>
-              </a:rPr>
-              <a:t>&gt;</a:t>
-            </a:r>
-          </a:p>
-          <a:p>
-            <a:pPr>
-              <a:buClr>
-                <a:schemeClr val="tx1">
-                  <a:lumMod val="85000"/>
-                  <a:lumOff val="15000"/>
-                </a:schemeClr>
-              </a:buClr>
-            </a:pPr>
-            <a:r>
-              <a:rPr lang="en-US" sz="1400" b="1" dirty="0" smtClean="0">
-                <a:latin typeface="Courier New" pitchFamily="49" charset="0"/>
-                <a:cs typeface="Courier New" pitchFamily="49" charset="0"/>
-              </a:rPr>
-              <a:t>...</a:t>
-            </a:r>
-          </a:p>
-          <a:p>
-            <a:pPr>
-              <a:buClr>
-                <a:schemeClr val="tx1">
-                  <a:lumMod val="85000"/>
-                  <a:lumOff val="15000"/>
-                </a:schemeClr>
-              </a:buClr>
-            </a:pPr>
-            <a:r>
-              <a:rPr lang="en-US" sz="1400" b="1" dirty="0">
-                <a:latin typeface="Courier New" pitchFamily="49" charset="0"/>
-                <a:cs typeface="Courier New" pitchFamily="49" charset="0"/>
-              </a:rPr>
-              <a:t>&lt;build&gt;</a:t>
-            </a:r>
-          </a:p>
-          <a:p>
-            <a:pPr>
-              <a:buClr>
-                <a:schemeClr val="tx1">
-                  <a:lumMod val="85000"/>
-                  <a:lumOff val="15000"/>
-                </a:schemeClr>
-              </a:buClr>
-            </a:pPr>
-            <a:r>
-              <a:rPr lang="en-US" sz="1400" b="1" dirty="0" smtClean="0">
-                <a:latin typeface="Courier New" pitchFamily="49" charset="0"/>
-                <a:cs typeface="Courier New" pitchFamily="49" charset="0"/>
-              </a:rPr>
-              <a:t>    &lt;</a:t>
-            </a:r>
-            <a:r>
-              <a:rPr lang="en-US" sz="1400" b="1" dirty="0">
-                <a:latin typeface="Courier New" pitchFamily="49" charset="0"/>
-                <a:cs typeface="Courier New" pitchFamily="49" charset="0"/>
-              </a:rPr>
-              <a:t>plugins</a:t>
-            </a:r>
-            <a:r>
-              <a:rPr lang="en-US" sz="1400" b="1" dirty="0" smtClean="0">
-                <a:latin typeface="Courier New" pitchFamily="49" charset="0"/>
-                <a:cs typeface="Courier New" pitchFamily="49" charset="0"/>
-              </a:rPr>
-              <a:t>&gt;</a:t>
-            </a:r>
-          </a:p>
-          <a:p>
-            <a:pPr>
-              <a:buClr>
-                <a:schemeClr val="tx1">
-                  <a:lumMod val="85000"/>
-                  <a:lumOff val="15000"/>
-                </a:schemeClr>
-              </a:buClr>
-            </a:pPr>
-            <a:r>
-              <a:rPr lang="en-US" sz="1400" b="1" dirty="0">
-                <a:latin typeface="Courier New" pitchFamily="49" charset="0"/>
-                <a:cs typeface="Courier New" pitchFamily="49" charset="0"/>
-              </a:rPr>
-              <a:t> </a:t>
-            </a:r>
-            <a:r>
-              <a:rPr lang="en-US" sz="1400" b="1" dirty="0" smtClean="0">
-                <a:latin typeface="Courier New" pitchFamily="49" charset="0"/>
-                <a:cs typeface="Courier New" pitchFamily="49" charset="0"/>
-              </a:rPr>
-              <a:t>       ...</a:t>
-            </a:r>
-            <a:endParaRPr lang="en-US" sz="1400" b="1" dirty="0">
-              <a:latin typeface="Courier New" pitchFamily="49" charset="0"/>
-              <a:cs typeface="Courier New" pitchFamily="49" charset="0"/>
-            </a:endParaRPr>
-          </a:p>
-          <a:p>
-            <a:pPr>
-              <a:buClr>
-                <a:schemeClr val="tx1">
-                  <a:lumMod val="85000"/>
-                  <a:lumOff val="15000"/>
-                </a:schemeClr>
-              </a:buClr>
-            </a:pPr>
-            <a:r>
-              <a:rPr lang="en-US" sz="1400" b="1" dirty="0" smtClean="0">
-                <a:latin typeface="Courier New" pitchFamily="49" charset="0"/>
-                <a:cs typeface="Courier New" pitchFamily="49" charset="0"/>
-              </a:rPr>
-              <a:t>        &lt;</a:t>
-            </a:r>
-            <a:r>
-              <a:rPr lang="en-US" sz="1400" b="1" dirty="0">
-                <a:latin typeface="Courier New" pitchFamily="49" charset="0"/>
-                <a:cs typeface="Courier New" pitchFamily="49" charset="0"/>
-              </a:rPr>
-              <a:t>plugin&gt;            </a:t>
-            </a:r>
-          </a:p>
-          <a:p>
-            <a:pPr>
-              <a:buClr>
-                <a:schemeClr val="tx1">
-                  <a:lumMod val="85000"/>
-                  <a:lumOff val="15000"/>
-                </a:schemeClr>
-              </a:buClr>
-            </a:pPr>
-            <a:r>
-              <a:rPr lang="en-US" sz="1400" b="1" dirty="0">
-                <a:latin typeface="Courier New" pitchFamily="49" charset="0"/>
-                <a:cs typeface="Courier New" pitchFamily="49" charset="0"/>
-              </a:rPr>
-              <a:t> </a:t>
-            </a:r>
-            <a:r>
-              <a:rPr lang="en-US" sz="1400" b="1" dirty="0" smtClean="0">
-                <a:latin typeface="Courier New" pitchFamily="49" charset="0"/>
-                <a:cs typeface="Courier New" pitchFamily="49" charset="0"/>
-              </a:rPr>
-              <a:t>           &lt;</a:t>
-            </a:r>
-            <a:r>
-              <a:rPr lang="en-US" sz="1400" b="1" dirty="0" err="1">
-                <a:latin typeface="Courier New" pitchFamily="49" charset="0"/>
-                <a:cs typeface="Courier New" pitchFamily="49" charset="0"/>
-              </a:rPr>
-              <a:t>artifactId</a:t>
-            </a:r>
-            <a:r>
-              <a:rPr lang="en-US" sz="1400" b="1" dirty="0">
-                <a:latin typeface="Courier New" pitchFamily="49" charset="0"/>
-                <a:cs typeface="Courier New" pitchFamily="49" charset="0"/>
-              </a:rPr>
-              <a:t>&gt;maven-ear-plugin&lt;/</a:t>
-            </a:r>
-            <a:r>
-              <a:rPr lang="en-US" sz="1400" b="1" dirty="0" err="1">
-                <a:latin typeface="Courier New" pitchFamily="49" charset="0"/>
-                <a:cs typeface="Courier New" pitchFamily="49" charset="0"/>
-              </a:rPr>
-              <a:t>artifactId</a:t>
-            </a:r>
-            <a:r>
-              <a:rPr lang="en-US" sz="1400" b="1" dirty="0">
-                <a:latin typeface="Courier New" pitchFamily="49" charset="0"/>
-                <a:cs typeface="Courier New" pitchFamily="49" charset="0"/>
-              </a:rPr>
-              <a:t>&gt;</a:t>
-            </a:r>
-          </a:p>
-          <a:p>
-            <a:pPr>
-              <a:buClr>
-                <a:schemeClr val="tx1">
-                  <a:lumMod val="85000"/>
-                  <a:lumOff val="15000"/>
-                </a:schemeClr>
-              </a:buClr>
-            </a:pPr>
-            <a:r>
-              <a:rPr lang="en-US" sz="1400" b="1" dirty="0" smtClean="0">
-                <a:latin typeface="Courier New" pitchFamily="49" charset="0"/>
-                <a:cs typeface="Courier New" pitchFamily="49" charset="0"/>
-              </a:rPr>
-              <a:t>            &lt;</a:t>
-            </a:r>
-            <a:r>
-              <a:rPr lang="en-US" sz="1400" b="1" dirty="0">
-                <a:latin typeface="Courier New" pitchFamily="49" charset="0"/>
-                <a:cs typeface="Courier New" pitchFamily="49" charset="0"/>
-              </a:rPr>
-              <a:t>configuration&gt;</a:t>
-            </a:r>
-          </a:p>
-          <a:p>
-            <a:pPr>
-              <a:buClr>
-                <a:schemeClr val="tx1">
-                  <a:lumMod val="85000"/>
-                  <a:lumOff val="15000"/>
-                </a:schemeClr>
-              </a:buClr>
-            </a:pPr>
-            <a:r>
-              <a:rPr lang="en-US" sz="1400" b="1" dirty="0" smtClean="0">
-                <a:latin typeface="Courier New" pitchFamily="49" charset="0"/>
-                <a:cs typeface="Courier New" pitchFamily="49" charset="0"/>
-              </a:rPr>
-              <a:t>                &lt;</a:t>
-            </a:r>
-            <a:r>
-              <a:rPr lang="en-US" sz="1400" b="1" dirty="0">
-                <a:latin typeface="Courier New" pitchFamily="49" charset="0"/>
-                <a:cs typeface="Courier New" pitchFamily="49" charset="0"/>
-              </a:rPr>
-              <a:t>modules&gt;</a:t>
-            </a:r>
-          </a:p>
-          <a:p>
-            <a:pPr>
-              <a:buClr>
-                <a:schemeClr val="tx1">
-                  <a:lumMod val="85000"/>
-                  <a:lumOff val="15000"/>
-                </a:schemeClr>
-              </a:buClr>
-            </a:pPr>
-            <a:r>
-              <a:rPr lang="en-US" sz="1400" b="1" dirty="0" smtClean="0">
-                <a:latin typeface="Courier New" pitchFamily="49" charset="0"/>
-                <a:cs typeface="Courier New" pitchFamily="49" charset="0"/>
-              </a:rPr>
-              <a:t>                    &lt;</a:t>
-            </a:r>
-            <a:r>
-              <a:rPr lang="en-US" sz="1400" b="1" dirty="0" err="1">
-                <a:latin typeface="Courier New" pitchFamily="49" charset="0"/>
-                <a:cs typeface="Courier New" pitchFamily="49" charset="0"/>
-              </a:rPr>
-              <a:t>webModule</a:t>
-            </a:r>
-            <a:r>
-              <a:rPr lang="en-US" sz="1400" b="1" dirty="0">
-                <a:latin typeface="Courier New" pitchFamily="49" charset="0"/>
-                <a:cs typeface="Courier New" pitchFamily="49" charset="0"/>
-              </a:rPr>
-              <a:t>&gt;</a:t>
-            </a:r>
-          </a:p>
-          <a:p>
-            <a:pPr>
-              <a:buClr>
-                <a:schemeClr val="tx1">
-                  <a:lumMod val="85000"/>
-                  <a:lumOff val="15000"/>
-                </a:schemeClr>
-              </a:buClr>
-            </a:pPr>
-            <a:r>
-              <a:rPr lang="en-US" sz="1400" b="1" dirty="0" smtClean="0">
-                <a:latin typeface="Courier New" pitchFamily="49" charset="0"/>
-                <a:cs typeface="Courier New" pitchFamily="49" charset="0"/>
-              </a:rPr>
-              <a:t>                        &lt;</a:t>
-            </a:r>
-            <a:r>
-              <a:rPr lang="en-US" sz="1400" b="1" dirty="0" err="1" smtClean="0">
-                <a:latin typeface="Courier New" pitchFamily="49" charset="0"/>
-                <a:cs typeface="Courier New" pitchFamily="49" charset="0"/>
-              </a:rPr>
-              <a:t>groupId</a:t>
-            </a:r>
-            <a:r>
-              <a:rPr lang="en-US" sz="1400" b="1" dirty="0" smtClean="0">
-                <a:latin typeface="Courier New" pitchFamily="49" charset="0"/>
-                <a:cs typeface="Courier New" pitchFamily="49" charset="0"/>
-              </a:rPr>
-              <a:t>&gt;</a:t>
-            </a:r>
-            <a:r>
-              <a:rPr lang="en-US" sz="1400" b="1" dirty="0" err="1" smtClean="0">
-                <a:latin typeface="Courier New" pitchFamily="49" charset="0"/>
-                <a:cs typeface="Courier New" pitchFamily="49" charset="0"/>
-              </a:rPr>
-              <a:t>ru.mrdekk</a:t>
-            </a:r>
-            <a:r>
-              <a:rPr lang="en-US" sz="1400" b="1" dirty="0" smtClean="0">
-                <a:latin typeface="Courier New" pitchFamily="49" charset="0"/>
-                <a:cs typeface="Courier New" pitchFamily="49" charset="0"/>
-              </a:rPr>
-              <a:t>&lt;/</a:t>
-            </a:r>
-            <a:r>
-              <a:rPr lang="en-US" sz="1400" b="1" dirty="0" err="1">
-                <a:latin typeface="Courier New" pitchFamily="49" charset="0"/>
-                <a:cs typeface="Courier New" pitchFamily="49" charset="0"/>
-              </a:rPr>
-              <a:t>groupId</a:t>
-            </a:r>
-            <a:r>
-              <a:rPr lang="en-US" sz="1400" b="1" dirty="0">
-                <a:latin typeface="Courier New" pitchFamily="49" charset="0"/>
-                <a:cs typeface="Courier New" pitchFamily="49" charset="0"/>
-              </a:rPr>
-              <a:t>&gt;</a:t>
-            </a:r>
-          </a:p>
-          <a:p>
-            <a:pPr>
-              <a:buClr>
-                <a:schemeClr val="tx1">
-                  <a:lumMod val="85000"/>
-                  <a:lumOff val="15000"/>
-                </a:schemeClr>
-              </a:buClr>
-            </a:pPr>
-            <a:r>
-              <a:rPr lang="en-US" sz="1400" b="1" dirty="0" smtClean="0">
-                <a:latin typeface="Courier New" pitchFamily="49" charset="0"/>
-                <a:cs typeface="Courier New" pitchFamily="49" charset="0"/>
-              </a:rPr>
-              <a:t>                        &lt;</a:t>
-            </a:r>
-            <a:r>
-              <a:rPr lang="en-US" sz="1400" b="1" dirty="0" err="1" smtClean="0">
-                <a:latin typeface="Courier New" pitchFamily="49" charset="0"/>
-                <a:cs typeface="Courier New" pitchFamily="49" charset="0"/>
-              </a:rPr>
-              <a:t>artifactId</a:t>
-            </a:r>
-            <a:r>
-              <a:rPr lang="en-US" sz="1400" b="1" dirty="0" smtClean="0">
-                <a:latin typeface="Courier New" pitchFamily="49" charset="0"/>
-                <a:cs typeface="Courier New" pitchFamily="49" charset="0"/>
-              </a:rPr>
-              <a:t>&gt;warp&lt;/</a:t>
-            </a:r>
-            <a:r>
-              <a:rPr lang="en-US" sz="1400" b="1" dirty="0" err="1">
-                <a:latin typeface="Courier New" pitchFamily="49" charset="0"/>
-                <a:cs typeface="Courier New" pitchFamily="49" charset="0"/>
-              </a:rPr>
-              <a:t>artifactId</a:t>
-            </a:r>
-            <a:r>
-              <a:rPr lang="en-US" sz="1400" b="1" dirty="0">
-                <a:latin typeface="Courier New" pitchFamily="49" charset="0"/>
-                <a:cs typeface="Courier New" pitchFamily="49" charset="0"/>
-              </a:rPr>
-              <a:t>&gt;</a:t>
-            </a:r>
-          </a:p>
-          <a:p>
-            <a:pPr>
-              <a:buClr>
-                <a:schemeClr val="tx1">
-                  <a:lumMod val="85000"/>
-                  <a:lumOff val="15000"/>
-                </a:schemeClr>
-              </a:buClr>
-            </a:pPr>
-            <a:r>
-              <a:rPr lang="en-US" sz="1400" b="1" dirty="0" smtClean="0">
-                <a:latin typeface="Courier New" pitchFamily="49" charset="0"/>
-                <a:cs typeface="Courier New" pitchFamily="49" charset="0"/>
-              </a:rPr>
-              <a:t>                        &lt;</a:t>
-            </a:r>
-            <a:r>
-              <a:rPr lang="en-US" sz="1400" b="1" dirty="0" err="1">
-                <a:latin typeface="Courier New" pitchFamily="49" charset="0"/>
-                <a:cs typeface="Courier New" pitchFamily="49" charset="0"/>
-              </a:rPr>
-              <a:t>contextRoot</a:t>
-            </a:r>
-            <a:r>
-              <a:rPr lang="en-US" sz="1400" b="1" dirty="0" smtClean="0">
-                <a:latin typeface="Courier New" pitchFamily="49" charset="0"/>
-                <a:cs typeface="Courier New" pitchFamily="49" charset="0"/>
-              </a:rPr>
-              <a:t>&gt;/warp&lt;/</a:t>
-            </a:r>
-            <a:r>
-              <a:rPr lang="en-US" sz="1400" b="1" dirty="0" err="1">
-                <a:latin typeface="Courier New" pitchFamily="49" charset="0"/>
-                <a:cs typeface="Courier New" pitchFamily="49" charset="0"/>
-              </a:rPr>
-              <a:t>contextRoot</a:t>
-            </a:r>
-            <a:r>
-              <a:rPr lang="en-US" sz="1400" b="1" dirty="0">
-                <a:latin typeface="Courier New" pitchFamily="49" charset="0"/>
-                <a:cs typeface="Courier New" pitchFamily="49" charset="0"/>
-              </a:rPr>
-              <a:t>&gt;</a:t>
-            </a:r>
-          </a:p>
-          <a:p>
-            <a:pPr>
-              <a:buClr>
-                <a:schemeClr val="tx1">
-                  <a:lumMod val="85000"/>
-                  <a:lumOff val="15000"/>
-                </a:schemeClr>
-              </a:buClr>
-            </a:pPr>
-            <a:r>
-              <a:rPr lang="en-US" sz="1400" b="1" dirty="0" smtClean="0">
-                <a:latin typeface="Courier New" pitchFamily="49" charset="0"/>
-                <a:cs typeface="Courier New" pitchFamily="49" charset="0"/>
-              </a:rPr>
-              <a:t>                    &lt;/</a:t>
-            </a:r>
-            <a:r>
-              <a:rPr lang="en-US" sz="1400" b="1" dirty="0" err="1">
-                <a:latin typeface="Courier New" pitchFamily="49" charset="0"/>
-                <a:cs typeface="Courier New" pitchFamily="49" charset="0"/>
-              </a:rPr>
-              <a:t>webModule</a:t>
-            </a:r>
-            <a:r>
-              <a:rPr lang="en-US" sz="1400" b="1" dirty="0">
-                <a:latin typeface="Courier New" pitchFamily="49" charset="0"/>
-                <a:cs typeface="Courier New" pitchFamily="49" charset="0"/>
-              </a:rPr>
-              <a:t>&gt;</a:t>
-            </a:r>
-          </a:p>
-          <a:p>
-            <a:pPr>
-              <a:buClr>
-                <a:schemeClr val="tx1">
-                  <a:lumMod val="85000"/>
-                  <a:lumOff val="15000"/>
-                </a:schemeClr>
-              </a:buClr>
-            </a:pPr>
-            <a:r>
-              <a:rPr lang="en-US" sz="1400" b="1" dirty="0" smtClean="0">
-                <a:latin typeface="Courier New" pitchFamily="49" charset="0"/>
-                <a:cs typeface="Courier New" pitchFamily="49" charset="0"/>
-              </a:rPr>
-              <a:t>                &lt;/</a:t>
-            </a:r>
-            <a:r>
-              <a:rPr lang="en-US" sz="1400" b="1" dirty="0">
-                <a:latin typeface="Courier New" pitchFamily="49" charset="0"/>
-                <a:cs typeface="Courier New" pitchFamily="49" charset="0"/>
-              </a:rPr>
-              <a:t>modules&gt;</a:t>
-            </a:r>
-          </a:p>
-          <a:p>
-            <a:pPr>
-              <a:buClr>
-                <a:schemeClr val="tx1">
-                  <a:lumMod val="85000"/>
-                  <a:lumOff val="15000"/>
-                </a:schemeClr>
-              </a:buClr>
-            </a:pPr>
-            <a:r>
-              <a:rPr lang="en-US" sz="1400" b="1" dirty="0" smtClean="0">
-                <a:latin typeface="Courier New" pitchFamily="49" charset="0"/>
-                <a:cs typeface="Courier New" pitchFamily="49" charset="0"/>
-              </a:rPr>
-              <a:t>                &lt;</a:t>
-            </a:r>
-            <a:r>
-              <a:rPr lang="en-US" sz="1400" b="1" dirty="0" err="1" smtClean="0">
-                <a:latin typeface="Courier New" pitchFamily="49" charset="0"/>
-                <a:cs typeface="Courier New" pitchFamily="49" charset="0"/>
-              </a:rPr>
-              <a:t>displayName</a:t>
-            </a:r>
-            <a:r>
-              <a:rPr lang="en-US" sz="1400" b="1" dirty="0" smtClean="0">
-                <a:latin typeface="Courier New" pitchFamily="49" charset="0"/>
-                <a:cs typeface="Courier New" pitchFamily="49" charset="0"/>
-              </a:rPr>
-              <a:t>&gt;WAR-Project&lt;/</a:t>
-            </a:r>
-            <a:r>
-              <a:rPr lang="en-US" sz="1400" b="1" dirty="0" err="1">
-                <a:latin typeface="Courier New" pitchFamily="49" charset="0"/>
-                <a:cs typeface="Courier New" pitchFamily="49" charset="0"/>
-              </a:rPr>
-              <a:t>displayName</a:t>
-            </a:r>
-            <a:r>
-              <a:rPr lang="en-US" sz="1400" b="1" dirty="0">
-                <a:latin typeface="Courier New" pitchFamily="49" charset="0"/>
-                <a:cs typeface="Courier New" pitchFamily="49" charset="0"/>
-              </a:rPr>
-              <a:t>&gt;</a:t>
-            </a:r>
-          </a:p>
-          <a:p>
-            <a:pPr>
-              <a:buClr>
-                <a:schemeClr val="tx1">
-                  <a:lumMod val="85000"/>
-                  <a:lumOff val="15000"/>
-                </a:schemeClr>
-              </a:buClr>
-            </a:pPr>
-            <a:r>
-              <a:rPr lang="en-US" sz="1400" b="1" dirty="0" smtClean="0">
-                <a:latin typeface="Courier New" pitchFamily="49" charset="0"/>
-                <a:cs typeface="Courier New" pitchFamily="49" charset="0"/>
-              </a:rPr>
-              <a:t>             &lt;</a:t>
+              <a:t>   &lt;</a:t>
             </a:r>
             <a:r>
               <a:rPr lang="en-US" sz="1400" b="1" dirty="0" err="1">
@@ -6502,7 +6789,7 @@
 </p:sld>
 </file>
 
-<file path=ppt/slides/slide17.xml><?xml version="1.0" encoding="utf-8"?>
+<file path=ppt/slides/slide18.xml><?xml version="1.0" encoding="utf-8"?>
 <p:sld xmlns:a="http://schemas.openxmlformats.org/drawingml/2006/main" xmlns:r="http://schemas.openxmlformats.org/officeDocument/2006/relationships" xmlns:p="http://schemas.openxmlformats.org/presentationml/2006/main">
   <p:cSld>
     <p:spTree>
@@ -6651,7 +6938,7 @@
       </p:sp>
       <p:pic>
         <p:nvPicPr>
-          <p:cNvPr id="4" name="Рисунок 3"/>
+          <p:cNvPr id="3" name="Рисунок 2"/>
           <p:cNvPicPr>
             <a:picLocks noChangeAspect="1"/>
           </p:cNvPicPr>
@@ -6671,8 +6958,8 @@
         </p:blipFill>
         <p:spPr>
           <a:xfrm>
-            <a:off x="611560" y="1556792"/>
-            <a:ext cx="2076450" cy="828675"/>
+            <a:off x="3473450" y="3086100"/>
+            <a:ext cx="2197100" cy="685800"/>
           </a:xfrm>
           <a:prstGeom prst="rect">
             <a:avLst/>
@@ -6683,516 +6970,6 @@
     <p:extLst>
       <p:ext uri="{BB962C8B-B14F-4D97-AF65-F5344CB8AC3E}">
         <p14:creationId xmlns:p14="http://schemas.microsoft.com/office/powerpoint/2010/main" val="103441380"/>
-      </p:ext>
-    </p:extLst>
-  </p:cSld>
-  <p:clrMapOvr>
-    <a:masterClrMapping/>
-  </p:clrMapOvr>
-  <p:timing>
-    <p:tnLst>
-      <p:par>
-        <p:cTn id="1" dur="indefinite" restart="never" nodeType="tmRoot"/>
-      </p:par>
-    </p:tnLst>
-  </p:timing>
-</p:sld>
-</file>
-
-<file path=ppt/slides/slide18.xml><?xml version="1.0" encoding="utf-8"?>
-<p:sld xmlns:a="http://schemas.openxmlformats.org/drawingml/2006/main" xmlns:r="http://schemas.openxmlformats.org/officeDocument/2006/relationships" xmlns:p="http://schemas.openxmlformats.org/presentationml/2006/main">
-  <p:cSld>
-    <p:spTree>
-      <p:nvGrpSpPr>
-        <p:cNvPr id="1" name=""/>
-        <p:cNvGrpSpPr/>
-        <p:nvPr/>
-      </p:nvGrpSpPr>
-      <p:grpSpPr>
-        <a:xfrm>
-          <a:off x="0" y="0"/>
-          <a:ext cx="0" cy="0"/>
-          <a:chOff x="0" y="0"/>
-          <a:chExt cx="0" cy="0"/>
-        </a:xfrm>
-      </p:grpSpPr>
-      <p:sp>
-        <p:nvSpPr>
-          <p:cNvPr id="2" name="Title 1"/>
-          <p:cNvSpPr>
-            <a:spLocks noGrp="1"/>
-          </p:cNvSpPr>
-          <p:nvPr>
-            <p:ph type="title"/>
-          </p:nvPr>
-        </p:nvSpPr>
-        <p:spPr>
-          <a:xfrm>
-            <a:off x="457200" y="274638"/>
-            <a:ext cx="8229600" cy="439718"/>
-          </a:xfrm>
-          <a:ln>
-            <a:noFill/>
-          </a:ln>
-        </p:spPr>
-        <p:txBody>
-          <a:bodyPr>
-            <a:normAutofit fontScale="90000"/>
-          </a:bodyPr>
-          <a:lstStyle/>
-          <a:p>
-            <a:pPr algn="l"/>
-            <a:r>
-              <a:rPr lang="en-US" sz="3200" dirty="0" smtClean="0"/>
-              <a:t>weblogic-application.xml</a:t>
-            </a:r>
-            <a:endParaRPr lang="ru-RU" sz="3200" dirty="0"/>
-          </a:p>
-        </p:txBody>
-      </p:sp>
-      <p:cxnSp>
-        <p:nvCxnSpPr>
-          <p:cNvPr id="7" name="Straight Connector 6"/>
-          <p:cNvCxnSpPr/>
-          <p:nvPr/>
-        </p:nvCxnSpPr>
-        <p:spPr>
-          <a:xfrm>
-            <a:off x="428596" y="714356"/>
-            <a:ext cx="8286808" cy="1588"/>
-          </a:xfrm>
-          <a:prstGeom prst="line">
-            <a:avLst/>
-          </a:prstGeom>
-          <a:ln>
-            <a:solidFill>
-              <a:schemeClr val="tx1"/>
-            </a:solidFill>
-          </a:ln>
-        </p:spPr>
-        <p:style>
-          <a:lnRef idx="1">
-            <a:schemeClr val="accent1"/>
-          </a:lnRef>
-          <a:fillRef idx="0">
-            <a:schemeClr val="accent1"/>
-          </a:fillRef>
-          <a:effectRef idx="0">
-            <a:schemeClr val="accent1"/>
-          </a:effectRef>
-          <a:fontRef idx="minor">
-            <a:schemeClr val="tx1"/>
-          </a:fontRef>
-        </p:style>
-      </p:cxnSp>
-      <p:sp>
-        <p:nvSpPr>
-          <p:cNvPr id="10" name="TextBox 9"/>
-          <p:cNvSpPr txBox="1"/>
-          <p:nvPr/>
-        </p:nvSpPr>
-        <p:spPr>
-          <a:xfrm>
-            <a:off x="428596" y="1000108"/>
-            <a:ext cx="8286808" cy="3600986"/>
-          </a:xfrm>
-          <a:prstGeom prst="rect">
-            <a:avLst/>
-          </a:prstGeom>
-          <a:noFill/>
-        </p:spPr>
-        <p:txBody>
-          <a:bodyPr wrap="square" rtlCol="0">
-            <a:spAutoFit/>
-          </a:bodyPr>
-          <a:lstStyle/>
-          <a:p>
-            <a:pPr>
-              <a:buClr>
-                <a:schemeClr val="tx1">
-                  <a:lumMod val="85000"/>
-                  <a:lumOff val="15000"/>
-                </a:schemeClr>
-              </a:buClr>
-            </a:pPr>
-            <a:r>
-              <a:rPr lang="ru-RU" dirty="0" smtClean="0">
-                <a:cs typeface="Courier New" pitchFamily="49" charset="0"/>
-              </a:rPr>
-              <a:t>Содержимое </a:t>
-            </a:r>
-            <a:r>
-              <a:rPr lang="en-US" dirty="0" smtClean="0">
-                <a:cs typeface="Courier New" pitchFamily="49" charset="0"/>
-              </a:rPr>
-              <a:t>weblogic-application.xml:</a:t>
-            </a:r>
-          </a:p>
-          <a:p>
-            <a:pPr>
-              <a:buClr>
-                <a:schemeClr val="tx1">
-                  <a:lumMod val="85000"/>
-                  <a:lumOff val="15000"/>
-                </a:schemeClr>
-              </a:buClr>
-            </a:pPr>
-            <a:endParaRPr lang="en-US" dirty="0">
-              <a:cs typeface="Courier New" pitchFamily="49" charset="0"/>
-            </a:endParaRPr>
-          </a:p>
-          <a:p>
-            <a:r>
-              <a:rPr lang="en-US" sz="1600" b="1" dirty="0">
-                <a:latin typeface="Courier New" pitchFamily="49" charset="0"/>
-                <a:cs typeface="Courier New" pitchFamily="49" charset="0"/>
-              </a:rPr>
-              <a:t>&lt;?xml version=</a:t>
-            </a:r>
-            <a:r>
-              <a:rPr lang="en-US" sz="1600" b="1" i="1" dirty="0">
-                <a:latin typeface="Courier New" pitchFamily="49" charset="0"/>
-                <a:cs typeface="Courier New" pitchFamily="49" charset="0"/>
-              </a:rPr>
-              <a:t>"1.0" encoding="UTF-8"?&gt;</a:t>
-            </a:r>
-          </a:p>
-          <a:p>
-            <a:r>
-              <a:rPr lang="en-US" sz="1600" b="1" dirty="0">
-                <a:latin typeface="Courier New" pitchFamily="49" charset="0"/>
-                <a:cs typeface="Courier New" pitchFamily="49" charset="0"/>
-              </a:rPr>
-              <a:t>&lt;</a:t>
-            </a:r>
-            <a:r>
-              <a:rPr lang="en-US" sz="1600" b="1" dirty="0" err="1">
-                <a:latin typeface="Courier New" pitchFamily="49" charset="0"/>
-                <a:cs typeface="Courier New" pitchFamily="49" charset="0"/>
-              </a:rPr>
-              <a:t>weblogic</a:t>
-            </a:r>
-            <a:r>
-              <a:rPr lang="en-US" sz="1600" b="1" dirty="0">
-                <a:latin typeface="Courier New" pitchFamily="49" charset="0"/>
-                <a:cs typeface="Courier New" pitchFamily="49" charset="0"/>
-              </a:rPr>
-              <a:t>-application </a:t>
-            </a:r>
-            <a:r>
-              <a:rPr lang="en-US" sz="1600" b="1" dirty="0" err="1">
-                <a:latin typeface="Courier New" pitchFamily="49" charset="0"/>
-                <a:cs typeface="Courier New" pitchFamily="49" charset="0"/>
-              </a:rPr>
-              <a:t>xmlns</a:t>
-            </a:r>
-            <a:r>
-              <a:rPr lang="en-US" sz="1600" b="1" dirty="0">
-                <a:latin typeface="Courier New" pitchFamily="49" charset="0"/>
-                <a:cs typeface="Courier New" pitchFamily="49" charset="0"/>
-              </a:rPr>
-              <a:t>=</a:t>
-            </a:r>
-            <a:r>
-              <a:rPr lang="en-US" sz="1600" b="1" i="1" dirty="0">
-                <a:latin typeface="Courier New" pitchFamily="49" charset="0"/>
-                <a:cs typeface="Courier New" pitchFamily="49" charset="0"/>
-              </a:rPr>
-              <a:t>"http://www.bea.com/ns/weblogic/90" &gt;</a:t>
-            </a:r>
-          </a:p>
-          <a:p>
-            <a:r>
-              <a:rPr lang="en-US" sz="1600" b="1" dirty="0" smtClean="0">
-                <a:latin typeface="Courier New" pitchFamily="49" charset="0"/>
-                <a:cs typeface="Courier New" pitchFamily="49" charset="0"/>
-              </a:rPr>
-              <a:t>    &lt;</a:t>
-            </a:r>
-            <a:r>
-              <a:rPr lang="en-US" sz="1600" b="1" dirty="0">
-                <a:latin typeface="Courier New" pitchFamily="49" charset="0"/>
-                <a:cs typeface="Courier New" pitchFamily="49" charset="0"/>
-              </a:rPr>
-              <a:t>application-</a:t>
-            </a:r>
-            <a:r>
-              <a:rPr lang="en-US" sz="1600" b="1" dirty="0" err="1">
-                <a:latin typeface="Courier New" pitchFamily="49" charset="0"/>
-                <a:cs typeface="Courier New" pitchFamily="49" charset="0"/>
-              </a:rPr>
-              <a:t>param</a:t>
-            </a:r>
-            <a:r>
-              <a:rPr lang="en-US" sz="1600" b="1" dirty="0">
-                <a:latin typeface="Courier New" pitchFamily="49" charset="0"/>
-                <a:cs typeface="Courier New" pitchFamily="49" charset="0"/>
-              </a:rPr>
-              <a:t>&gt;</a:t>
-            </a:r>
-          </a:p>
-          <a:p>
-            <a:r>
-              <a:rPr lang="en-US" sz="1600" b="1" dirty="0" smtClean="0">
-                <a:latin typeface="Courier New" pitchFamily="49" charset="0"/>
-                <a:cs typeface="Courier New" pitchFamily="49" charset="0"/>
-              </a:rPr>
-              <a:t>        &lt;</a:t>
-            </a:r>
-            <a:r>
-              <a:rPr lang="en-US" sz="1600" b="1" dirty="0" err="1">
-                <a:latin typeface="Courier New" pitchFamily="49" charset="0"/>
-                <a:cs typeface="Courier New" pitchFamily="49" charset="0"/>
-              </a:rPr>
-              <a:t>param</a:t>
-            </a:r>
-            <a:r>
-              <a:rPr lang="en-US" sz="1600" b="1" dirty="0">
-                <a:latin typeface="Courier New" pitchFamily="49" charset="0"/>
-                <a:cs typeface="Courier New" pitchFamily="49" charset="0"/>
-              </a:rPr>
-              <a:t>-name&gt;</a:t>
-            </a:r>
-            <a:r>
-              <a:rPr lang="en-US" sz="1600" b="1" dirty="0" err="1">
-                <a:latin typeface="Courier New" pitchFamily="49" charset="0"/>
-                <a:cs typeface="Courier New" pitchFamily="49" charset="0"/>
-              </a:rPr>
-              <a:t>webapp.encoding.default</a:t>
-            </a:r>
-            <a:r>
-              <a:rPr lang="en-US" sz="1600" b="1" dirty="0">
-                <a:latin typeface="Courier New" pitchFamily="49" charset="0"/>
-                <a:cs typeface="Courier New" pitchFamily="49" charset="0"/>
-              </a:rPr>
-              <a:t>&lt;/</a:t>
-            </a:r>
-            <a:r>
-              <a:rPr lang="en-US" sz="1600" b="1" dirty="0" err="1">
-                <a:latin typeface="Courier New" pitchFamily="49" charset="0"/>
-                <a:cs typeface="Courier New" pitchFamily="49" charset="0"/>
-              </a:rPr>
-              <a:t>param</a:t>
-            </a:r>
-            <a:r>
-              <a:rPr lang="en-US" sz="1600" b="1" dirty="0">
-                <a:latin typeface="Courier New" pitchFamily="49" charset="0"/>
-                <a:cs typeface="Courier New" pitchFamily="49" charset="0"/>
-              </a:rPr>
-              <a:t>-name&gt;</a:t>
-            </a:r>
-          </a:p>
-          <a:p>
-            <a:r>
-              <a:rPr lang="en-US" sz="1600" b="1" dirty="0" smtClean="0">
-                <a:latin typeface="Courier New" pitchFamily="49" charset="0"/>
-                <a:cs typeface="Courier New" pitchFamily="49" charset="0"/>
-              </a:rPr>
-              <a:t>        &lt;</a:t>
-            </a:r>
-            <a:r>
-              <a:rPr lang="en-US" sz="1600" b="1" dirty="0" err="1">
-                <a:latin typeface="Courier New" pitchFamily="49" charset="0"/>
-                <a:cs typeface="Courier New" pitchFamily="49" charset="0"/>
-              </a:rPr>
-              <a:t>param</a:t>
-            </a:r>
-            <a:r>
-              <a:rPr lang="en-US" sz="1600" b="1" dirty="0">
-                <a:latin typeface="Courier New" pitchFamily="49" charset="0"/>
-                <a:cs typeface="Courier New" pitchFamily="49" charset="0"/>
-              </a:rPr>
-              <a:t>-value&gt;UTF-8&lt;/</a:t>
-            </a:r>
-            <a:r>
-              <a:rPr lang="en-US" sz="1600" b="1" dirty="0" err="1">
-                <a:latin typeface="Courier New" pitchFamily="49" charset="0"/>
-                <a:cs typeface="Courier New" pitchFamily="49" charset="0"/>
-              </a:rPr>
-              <a:t>param</a:t>
-            </a:r>
-            <a:r>
-              <a:rPr lang="en-US" sz="1600" b="1" dirty="0">
-                <a:latin typeface="Courier New" pitchFamily="49" charset="0"/>
-                <a:cs typeface="Courier New" pitchFamily="49" charset="0"/>
-              </a:rPr>
-              <a:t>-value&gt;</a:t>
-            </a:r>
-          </a:p>
-          <a:p>
-            <a:r>
-              <a:rPr lang="en-US" sz="1600" b="1" dirty="0" smtClean="0">
-                <a:latin typeface="Courier New" pitchFamily="49" charset="0"/>
-                <a:cs typeface="Courier New" pitchFamily="49" charset="0"/>
-              </a:rPr>
-              <a:t>    &lt;/</a:t>
-            </a:r>
-            <a:r>
-              <a:rPr lang="en-US" sz="1600" b="1" dirty="0">
-                <a:latin typeface="Courier New" pitchFamily="49" charset="0"/>
-                <a:cs typeface="Courier New" pitchFamily="49" charset="0"/>
-              </a:rPr>
-              <a:t>application-</a:t>
-            </a:r>
-            <a:r>
-              <a:rPr lang="en-US" sz="1600" b="1" dirty="0" err="1">
-                <a:latin typeface="Courier New" pitchFamily="49" charset="0"/>
-                <a:cs typeface="Courier New" pitchFamily="49" charset="0"/>
-              </a:rPr>
-              <a:t>param</a:t>
-            </a:r>
-            <a:r>
-              <a:rPr lang="en-US" sz="1600" b="1" dirty="0">
-                <a:latin typeface="Courier New" pitchFamily="49" charset="0"/>
-                <a:cs typeface="Courier New" pitchFamily="49" charset="0"/>
-              </a:rPr>
-              <a:t>&gt;</a:t>
-            </a:r>
-          </a:p>
-          <a:p>
-            <a:r>
-              <a:rPr lang="en-US" sz="1600" b="1" dirty="0" smtClean="0">
-                <a:latin typeface="Courier New" pitchFamily="49" charset="0"/>
-                <a:cs typeface="Courier New" pitchFamily="49" charset="0"/>
-              </a:rPr>
-              <a:t>    &lt;</a:t>
-            </a:r>
-            <a:r>
-              <a:rPr lang="en-US" sz="1600" b="1" dirty="0">
-                <a:latin typeface="Courier New" pitchFamily="49" charset="0"/>
-                <a:cs typeface="Courier New" pitchFamily="49" charset="0"/>
-              </a:rPr>
-              <a:t>prefer-application-packages&gt;</a:t>
-            </a:r>
-          </a:p>
-          <a:p>
-            <a:r>
-              <a:rPr lang="en-US" sz="1600" b="1" dirty="0" smtClean="0">
-                <a:latin typeface="Courier New" pitchFamily="49" charset="0"/>
-                <a:cs typeface="Courier New" pitchFamily="49" charset="0"/>
-              </a:rPr>
-              <a:t>        &lt;package-name&gt;</a:t>
-            </a:r>
-            <a:r>
-              <a:rPr lang="en-US" sz="1600" b="1" dirty="0" err="1" smtClean="0">
-                <a:latin typeface="Courier New" pitchFamily="49" charset="0"/>
-                <a:cs typeface="Courier New" pitchFamily="49" charset="0"/>
-              </a:rPr>
-              <a:t>org.joda</a:t>
-            </a:r>
-            <a:r>
-              <a:rPr lang="en-US" sz="1600" b="1" dirty="0">
-                <a:latin typeface="Courier New" pitchFamily="49" charset="0"/>
-                <a:cs typeface="Courier New" pitchFamily="49" charset="0"/>
-              </a:rPr>
-              <a:t>.*&lt;/package-name&gt;</a:t>
-            </a:r>
-          </a:p>
-          <a:p>
-            <a:r>
-              <a:rPr lang="en-US" sz="1600" b="1" dirty="0" smtClean="0">
-                <a:latin typeface="Courier New" pitchFamily="49" charset="0"/>
-                <a:cs typeface="Courier New" pitchFamily="49" charset="0"/>
-              </a:rPr>
-              <a:t>        &lt;</a:t>
-            </a:r>
-            <a:r>
-              <a:rPr lang="en-US" sz="1600" b="1" dirty="0">
-                <a:latin typeface="Courier New" pitchFamily="49" charset="0"/>
-                <a:cs typeface="Courier New" pitchFamily="49" charset="0"/>
-              </a:rPr>
-              <a:t>package-name&gt;</a:t>
-            </a:r>
-            <a:r>
-              <a:rPr lang="en-US" sz="1600" b="1" dirty="0" err="1">
-                <a:latin typeface="Courier New" pitchFamily="49" charset="0"/>
-                <a:cs typeface="Courier New" pitchFamily="49" charset="0"/>
-              </a:rPr>
-              <a:t>org.springframework</a:t>
-            </a:r>
-            <a:r>
-              <a:rPr lang="en-US" sz="1600" b="1" dirty="0">
-                <a:latin typeface="Courier New" pitchFamily="49" charset="0"/>
-                <a:cs typeface="Courier New" pitchFamily="49" charset="0"/>
-              </a:rPr>
-              <a:t>.*&lt;/package-name&gt;</a:t>
-            </a:r>
-          </a:p>
-          <a:p>
-            <a:r>
-              <a:rPr lang="en-US" sz="1600" b="1" dirty="0" smtClean="0">
-                <a:latin typeface="Courier New" pitchFamily="49" charset="0"/>
-                <a:cs typeface="Courier New" pitchFamily="49" charset="0"/>
-              </a:rPr>
-              <a:t>        &lt;</a:t>
-            </a:r>
-            <a:r>
-              <a:rPr lang="en-US" sz="1600" b="1" dirty="0">
-                <a:latin typeface="Courier New" pitchFamily="49" charset="0"/>
-                <a:cs typeface="Courier New" pitchFamily="49" charset="0"/>
-              </a:rPr>
-              <a:t>package-name&gt;</a:t>
-            </a:r>
-            <a:r>
-              <a:rPr lang="en-US" sz="1600" b="1" dirty="0" err="1">
-                <a:latin typeface="Courier New" pitchFamily="49" charset="0"/>
-                <a:cs typeface="Courier New" pitchFamily="49" charset="0"/>
-              </a:rPr>
-              <a:t>org.eclipse.persistence</a:t>
-            </a:r>
-            <a:r>
-              <a:rPr lang="en-US" sz="1600" b="1" dirty="0">
-                <a:latin typeface="Courier New" pitchFamily="49" charset="0"/>
-                <a:cs typeface="Courier New" pitchFamily="49" charset="0"/>
-              </a:rPr>
-              <a:t>.*&lt;/package-name&gt;</a:t>
-            </a:r>
-          </a:p>
-          <a:p>
-            <a:r>
-              <a:rPr lang="en-US" sz="1600" b="1" dirty="0" smtClean="0">
-                <a:latin typeface="Courier New" pitchFamily="49" charset="0"/>
-                <a:cs typeface="Courier New" pitchFamily="49" charset="0"/>
-              </a:rPr>
-              <a:t>    &lt;/</a:t>
-            </a:r>
-            <a:r>
-              <a:rPr lang="en-US" sz="1600" b="1" dirty="0">
-                <a:latin typeface="Courier New" pitchFamily="49" charset="0"/>
-                <a:cs typeface="Courier New" pitchFamily="49" charset="0"/>
-              </a:rPr>
-              <a:t>prefer-application-packages&gt;</a:t>
-            </a:r>
-          </a:p>
-          <a:p>
-            <a:r>
-              <a:rPr lang="en-US" sz="1600" b="1" dirty="0">
-                <a:latin typeface="Courier New" pitchFamily="49" charset="0"/>
-                <a:cs typeface="Courier New" pitchFamily="49" charset="0"/>
-              </a:rPr>
-              <a:t>&lt;/</a:t>
-            </a:r>
-            <a:r>
-              <a:rPr lang="en-US" sz="1600" b="1" dirty="0" err="1">
-                <a:latin typeface="Courier New" pitchFamily="49" charset="0"/>
-                <a:cs typeface="Courier New" pitchFamily="49" charset="0"/>
-              </a:rPr>
-              <a:t>weblogic</a:t>
-            </a:r>
-            <a:r>
-              <a:rPr lang="en-US" sz="1600" b="1" dirty="0">
-                <a:latin typeface="Courier New" pitchFamily="49" charset="0"/>
-                <a:cs typeface="Courier New" pitchFamily="49" charset="0"/>
-              </a:rPr>
-              <a:t>-application&gt;</a:t>
-            </a:r>
-          </a:p>
-        </p:txBody>
-      </p:sp>
-    </p:spTree>
-    <p:extLst>
-      <p:ext uri="{BB962C8B-B14F-4D97-AF65-F5344CB8AC3E}">
-        <p14:creationId xmlns:p14="http://schemas.microsoft.com/office/powerpoint/2010/main" val="1589361930"/>
       </p:ext>
     </p:extLst>
   </p:cSld>
@@ -7254,7 +7031,7 @@
             <a:pPr algn="l"/>
             <a:r>
               <a:rPr lang="en-US" sz="3200" dirty="0" smtClean="0"/>
-              <a:t>war &amp; ear</a:t>
+              <a:t>jboss-all.xml</a:t>
             </a:r>
             <a:endParaRPr lang="ru-RU" sz="3200" dirty="0"/>
           </a:p>
@@ -7304,7 +7081,7 @@
         <p:spPr>
           <a:xfrm>
             <a:off x="428596" y="1000108"/>
-            <a:ext cx="8286808" cy="1200329"/>
+            <a:ext cx="8286808" cy="4308872"/>
           </a:xfrm>
           <a:prstGeom prst="rect">
             <a:avLst/>
@@ -7329,17 +7106,14 @@
               <a:rPr lang="ru-RU" dirty="0" smtClean="0">
                 <a:cs typeface="Courier New" pitchFamily="49" charset="0"/>
               </a:rPr>
-              <a:t>Примеры смотрите в </a:t>
-            </a:r>
-            <a:r>
-              <a:rPr lang="en-US" dirty="0" err="1" smtClean="0">
-                <a:cs typeface="Courier New" pitchFamily="49" charset="0"/>
-              </a:rPr>
-              <a:t>git</a:t>
-            </a:r>
-            <a:endParaRPr lang="en-US" dirty="0" smtClean="0">
-              <a:cs typeface="Courier New" pitchFamily="49" charset="0"/>
-            </a:endParaRPr>
+              <a:t>Содержимое </a:t>
+            </a:r>
+            <a:r>
+              <a:rPr lang="en-US" dirty="0" smtClean="0">
+                <a:cs typeface="Courier New" pitchFamily="49" charset="0"/>
+              </a:rPr>
+              <a:t>weblogic-application.xml:</a:t>
+            </a:r>
           </a:p>
           <a:p>
             <a:pPr>
@@ -7355,33 +7129,439 @@
             </a:endParaRPr>
           </a:p>
           <a:p>
-            <a:pPr>
-              <a:buClr>
-                <a:schemeClr val="tx1">
-                  <a:lumMod val="85000"/>
-                  <a:lumOff val="15000"/>
-                </a:schemeClr>
-              </a:buClr>
-            </a:pPr>
-            <a:r>
-              <a:rPr lang="ru-RU" dirty="0" smtClean="0">
-                <a:cs typeface="Courier New" pitchFamily="49" charset="0"/>
-              </a:rPr>
-              <a:t>Также в скриншотах пример создания домена </a:t>
-            </a:r>
-            <a:r>
-              <a:rPr lang="en-US" dirty="0" err="1" smtClean="0">
-                <a:cs typeface="Courier New" pitchFamily="49" charset="0"/>
-              </a:rPr>
-              <a:t>weblogic</a:t>
-            </a:r>
-            <a:r>
-              <a:rPr lang="ru-RU" dirty="0" smtClean="0">
-                <a:cs typeface="Courier New" pitchFamily="49" charset="0"/>
-              </a:rPr>
-              <a:t>, который я сейчас покажу на практике.</a:t>
-            </a:r>
-            <a:endParaRPr lang="en-US" dirty="0" smtClean="0">
+            <a:r>
+              <a:rPr lang="en-US" sz="1400" dirty="0">
+                <a:latin typeface="Courier New" panose="02070309020205020404" pitchFamily="49" charset="0"/>
+                <a:cs typeface="Courier New" panose="02070309020205020404" pitchFamily="49" charset="0"/>
+              </a:rPr>
+              <a:t>&lt;</a:t>
+            </a:r>
+            <a:r>
+              <a:rPr lang="en-US" sz="1400" dirty="0" err="1">
+                <a:latin typeface="Courier New" panose="02070309020205020404" pitchFamily="49" charset="0"/>
+                <a:cs typeface="Courier New" panose="02070309020205020404" pitchFamily="49" charset="0"/>
+              </a:rPr>
+              <a:t>jboss</a:t>
+            </a:r>
+            <a:r>
+              <a:rPr lang="en-US" sz="1400" dirty="0">
+                <a:latin typeface="Courier New" panose="02070309020205020404" pitchFamily="49" charset="0"/>
+                <a:cs typeface="Courier New" panose="02070309020205020404" pitchFamily="49" charset="0"/>
+              </a:rPr>
+              <a:t> </a:t>
+            </a:r>
+            <a:r>
+              <a:rPr lang="en-US" sz="1400" dirty="0" err="1">
+                <a:latin typeface="Courier New" panose="02070309020205020404" pitchFamily="49" charset="0"/>
+                <a:cs typeface="Courier New" panose="02070309020205020404" pitchFamily="49" charset="0"/>
+              </a:rPr>
+              <a:t>umlns</a:t>
+            </a:r>
+            <a:r>
+              <a:rPr lang="en-US" sz="1400" dirty="0">
+                <a:latin typeface="Courier New" panose="02070309020205020404" pitchFamily="49" charset="0"/>
+                <a:cs typeface="Courier New" panose="02070309020205020404" pitchFamily="49" charset="0"/>
+              </a:rPr>
+              <a:t>=</a:t>
+            </a:r>
+            <a:r>
+              <a:rPr lang="en-US" sz="1400" i="1" dirty="0">
+                <a:latin typeface="Courier New" panose="02070309020205020404" pitchFamily="49" charset="0"/>
+                <a:cs typeface="Courier New" panose="02070309020205020404" pitchFamily="49" charset="0"/>
+              </a:rPr>
+              <a:t>"urn:jboss:1.0"&gt;</a:t>
+            </a:r>
+          </a:p>
+          <a:p>
+            <a:r>
+              <a:rPr lang="en-US" sz="1400" dirty="0" smtClean="0">
+                <a:latin typeface="Courier New" panose="02070309020205020404" pitchFamily="49" charset="0"/>
+                <a:cs typeface="Courier New" panose="02070309020205020404" pitchFamily="49" charset="0"/>
+              </a:rPr>
+              <a:t>  &lt;</a:t>
+            </a:r>
+            <a:r>
+              <a:rPr lang="en-US" sz="1400" dirty="0" err="1">
+                <a:latin typeface="Courier New" panose="02070309020205020404" pitchFamily="49" charset="0"/>
+                <a:cs typeface="Courier New" panose="02070309020205020404" pitchFamily="49" charset="0"/>
+              </a:rPr>
+              <a:t>jboss</a:t>
+            </a:r>
+            <a:r>
+              <a:rPr lang="en-US" sz="1400" dirty="0">
+                <a:latin typeface="Courier New" panose="02070309020205020404" pitchFamily="49" charset="0"/>
+                <a:cs typeface="Courier New" panose="02070309020205020404" pitchFamily="49" charset="0"/>
+              </a:rPr>
+              <a:t>-deployment-structure </a:t>
+            </a:r>
+            <a:r>
+              <a:rPr lang="en-US" sz="1400" dirty="0" err="1">
+                <a:latin typeface="Courier New" panose="02070309020205020404" pitchFamily="49" charset="0"/>
+                <a:cs typeface="Courier New" panose="02070309020205020404" pitchFamily="49" charset="0"/>
+              </a:rPr>
+              <a:t>xmlns</a:t>
+            </a:r>
+            <a:r>
+              <a:rPr lang="en-US" sz="1400" dirty="0">
+                <a:latin typeface="Courier New" panose="02070309020205020404" pitchFamily="49" charset="0"/>
+                <a:cs typeface="Courier New" panose="02070309020205020404" pitchFamily="49" charset="0"/>
+              </a:rPr>
+              <a:t>=</a:t>
+            </a:r>
+            <a:r>
+              <a:rPr lang="en-US" sz="1400" i="1" dirty="0">
+                <a:latin typeface="Courier New" panose="02070309020205020404" pitchFamily="49" charset="0"/>
+                <a:cs typeface="Courier New" panose="02070309020205020404" pitchFamily="49" charset="0"/>
+              </a:rPr>
+              <a:t>"urn:jboss:deployment-structure:1.1"&gt;</a:t>
+            </a:r>
+          </a:p>
+          <a:p>
+            <a:r>
+              <a:rPr lang="en-US" sz="1400" dirty="0" smtClean="0">
+                <a:latin typeface="Courier New" panose="02070309020205020404" pitchFamily="49" charset="0"/>
+                <a:cs typeface="Courier New" panose="02070309020205020404" pitchFamily="49" charset="0"/>
+              </a:rPr>
+              <a:t>    &lt;</a:t>
+            </a:r>
+            <a:r>
+              <a:rPr lang="en-US" sz="1400" dirty="0">
+                <a:latin typeface="Courier New" panose="02070309020205020404" pitchFamily="49" charset="0"/>
+                <a:cs typeface="Courier New" panose="02070309020205020404" pitchFamily="49" charset="0"/>
+              </a:rPr>
+              <a:t>deployment&gt;</a:t>
+            </a:r>
+          </a:p>
+          <a:p>
+            <a:r>
+              <a:rPr lang="en-US" sz="1400" dirty="0" smtClean="0">
+                <a:latin typeface="Courier New" panose="02070309020205020404" pitchFamily="49" charset="0"/>
+                <a:cs typeface="Courier New" panose="02070309020205020404" pitchFamily="49" charset="0"/>
+              </a:rPr>
+              <a:t>      &lt;</a:t>
+            </a:r>
+            <a:r>
+              <a:rPr lang="en-US" sz="1400" dirty="0">
+                <a:latin typeface="Courier New" panose="02070309020205020404" pitchFamily="49" charset="0"/>
+                <a:cs typeface="Courier New" panose="02070309020205020404" pitchFamily="49" charset="0"/>
+              </a:rPr>
+              <a:t>exclusions&gt;</a:t>
+            </a:r>
+          </a:p>
+          <a:p>
+            <a:r>
+              <a:rPr lang="en-US" sz="1400" dirty="0" smtClean="0">
+                <a:latin typeface="Courier New" panose="02070309020205020404" pitchFamily="49" charset="0"/>
+                <a:cs typeface="Courier New" panose="02070309020205020404" pitchFamily="49" charset="0"/>
+              </a:rPr>
+              <a:t>        </a:t>
+            </a:r>
+            <a:r>
+              <a:rPr lang="en-US" sz="1400" b="1" dirty="0" smtClean="0">
+                <a:latin typeface="Courier New" panose="02070309020205020404" pitchFamily="49" charset="0"/>
+                <a:cs typeface="Courier New" panose="02070309020205020404" pitchFamily="49" charset="0"/>
+              </a:rPr>
+              <a:t>&lt;</a:t>
+            </a:r>
+            <a:r>
+              <a:rPr lang="en-US" sz="1400" b="1" dirty="0">
+                <a:latin typeface="Courier New" panose="02070309020205020404" pitchFamily="49" charset="0"/>
+                <a:cs typeface="Courier New" panose="02070309020205020404" pitchFamily="49" charset="0"/>
+              </a:rPr>
+              <a:t>module name=</a:t>
+            </a:r>
+            <a:r>
+              <a:rPr lang="en-US" sz="1400" b="1" i="1" dirty="0">
+                <a:latin typeface="Courier New" panose="02070309020205020404" pitchFamily="49" charset="0"/>
+                <a:cs typeface="Courier New" panose="02070309020205020404" pitchFamily="49" charset="0"/>
+              </a:rPr>
+              <a:t>"</a:t>
+            </a:r>
+            <a:r>
+              <a:rPr lang="en-US" sz="1400" b="1" i="1" dirty="0" err="1">
+                <a:latin typeface="Courier New" panose="02070309020205020404" pitchFamily="49" charset="0"/>
+                <a:cs typeface="Courier New" panose="02070309020205020404" pitchFamily="49" charset="0"/>
+              </a:rPr>
+              <a:t>org.joda.time</a:t>
+            </a:r>
+            <a:r>
+              <a:rPr lang="en-US" sz="1400" b="1" i="1" dirty="0">
+                <a:latin typeface="Courier New" panose="02070309020205020404" pitchFamily="49" charset="0"/>
+                <a:cs typeface="Courier New" panose="02070309020205020404" pitchFamily="49" charset="0"/>
+              </a:rPr>
+              <a:t>" slot="main" /&gt;</a:t>
+            </a:r>
+          </a:p>
+          <a:p>
+            <a:r>
+              <a:rPr lang="en-US" sz="1400" dirty="0" smtClean="0">
+                <a:latin typeface="Courier New" panose="02070309020205020404" pitchFamily="49" charset="0"/>
+                <a:cs typeface="Courier New" panose="02070309020205020404" pitchFamily="49" charset="0"/>
+              </a:rPr>
+              <a:t>      &lt;/</a:t>
+            </a:r>
+            <a:r>
+              <a:rPr lang="en-US" sz="1400" dirty="0">
+                <a:latin typeface="Courier New" panose="02070309020205020404" pitchFamily="49" charset="0"/>
+                <a:cs typeface="Courier New" panose="02070309020205020404" pitchFamily="49" charset="0"/>
+              </a:rPr>
+              <a:t>exclusions&gt;</a:t>
+            </a:r>
+          </a:p>
+          <a:p>
+            <a:r>
+              <a:rPr lang="en-US" sz="1400" dirty="0" smtClean="0">
+                <a:latin typeface="Courier New" panose="02070309020205020404" pitchFamily="49" charset="0"/>
+                <a:cs typeface="Courier New" panose="02070309020205020404" pitchFamily="49" charset="0"/>
+              </a:rPr>
+              <a:t>      &lt;</a:t>
+            </a:r>
+            <a:r>
+              <a:rPr lang="en-US" sz="1400" dirty="0">
+                <a:latin typeface="Courier New" panose="02070309020205020404" pitchFamily="49" charset="0"/>
+                <a:cs typeface="Courier New" panose="02070309020205020404" pitchFamily="49" charset="0"/>
+              </a:rPr>
+              <a:t>dependencies&gt;</a:t>
+            </a:r>
+          </a:p>
+          <a:p>
+            <a:r>
+              <a:rPr lang="en-US" sz="1400" dirty="0" smtClean="0">
+                <a:latin typeface="Courier New" panose="02070309020205020404" pitchFamily="49" charset="0"/>
+                <a:cs typeface="Courier New" panose="02070309020205020404" pitchFamily="49" charset="0"/>
+              </a:rPr>
+              <a:t>        </a:t>
+            </a:r>
+            <a:r>
+              <a:rPr lang="en-US" sz="1400" b="1" dirty="0" smtClean="0">
+                <a:latin typeface="Courier New" panose="02070309020205020404" pitchFamily="49" charset="0"/>
+                <a:cs typeface="Courier New" panose="02070309020205020404" pitchFamily="49" charset="0"/>
+              </a:rPr>
+              <a:t>&lt;</a:t>
+            </a:r>
+            <a:r>
+              <a:rPr lang="en-US" sz="1400" b="1" dirty="0">
+                <a:latin typeface="Courier New" panose="02070309020205020404" pitchFamily="49" charset="0"/>
+                <a:cs typeface="Courier New" panose="02070309020205020404" pitchFamily="49" charset="0"/>
+              </a:rPr>
+              <a:t>module name=</a:t>
+            </a:r>
+            <a:r>
+              <a:rPr lang="en-US" sz="1400" b="1" i="1" dirty="0">
+                <a:latin typeface="Courier New" panose="02070309020205020404" pitchFamily="49" charset="0"/>
+                <a:cs typeface="Courier New" panose="02070309020205020404" pitchFamily="49" charset="0"/>
+              </a:rPr>
+              <a:t>"</a:t>
+            </a:r>
+            <a:r>
+              <a:rPr lang="en-US" sz="1400" b="1" i="1" dirty="0" err="1">
+                <a:latin typeface="Courier New" panose="02070309020205020404" pitchFamily="49" charset="0"/>
+                <a:cs typeface="Courier New" panose="02070309020205020404" pitchFamily="49" charset="0"/>
+              </a:rPr>
+              <a:t>com.oracle.mysql</a:t>
+            </a:r>
+            <a:r>
+              <a:rPr lang="en-US" sz="1400" b="1" i="1" dirty="0">
+                <a:latin typeface="Courier New" panose="02070309020205020404" pitchFamily="49" charset="0"/>
+                <a:cs typeface="Courier New" panose="02070309020205020404" pitchFamily="49" charset="0"/>
+              </a:rPr>
+              <a:t>" export="true" /&gt;</a:t>
+            </a:r>
+          </a:p>
+          <a:p>
+            <a:r>
+              <a:rPr lang="en-US" sz="1400" dirty="0" smtClean="0">
+                <a:latin typeface="Courier New" panose="02070309020205020404" pitchFamily="49" charset="0"/>
+                <a:cs typeface="Courier New" panose="02070309020205020404" pitchFamily="49" charset="0"/>
+              </a:rPr>
+              <a:t>      &lt;/</a:t>
+            </a:r>
+            <a:r>
+              <a:rPr lang="en-US" sz="1400" dirty="0">
+                <a:latin typeface="Courier New" panose="02070309020205020404" pitchFamily="49" charset="0"/>
+                <a:cs typeface="Courier New" panose="02070309020205020404" pitchFamily="49" charset="0"/>
+              </a:rPr>
+              <a:t>dependencies&gt;</a:t>
+            </a:r>
+          </a:p>
+          <a:p>
+            <a:r>
+              <a:rPr lang="en-US" sz="1400" dirty="0" smtClean="0">
+                <a:latin typeface="Courier New" panose="02070309020205020404" pitchFamily="49" charset="0"/>
+                <a:cs typeface="Courier New" panose="02070309020205020404" pitchFamily="49" charset="0"/>
+              </a:rPr>
+              <a:t>    &lt;/</a:t>
+            </a:r>
+            <a:r>
+              <a:rPr lang="en-US" sz="1400" dirty="0">
+                <a:latin typeface="Courier New" panose="02070309020205020404" pitchFamily="49" charset="0"/>
+                <a:cs typeface="Courier New" panose="02070309020205020404" pitchFamily="49" charset="0"/>
+              </a:rPr>
+              <a:t>deployment&gt;</a:t>
+            </a:r>
+          </a:p>
+          <a:p>
+            <a:r>
+              <a:rPr lang="en-US" sz="1400" dirty="0">
+                <a:latin typeface="Courier New" panose="02070309020205020404" pitchFamily="49" charset="0"/>
+                <a:cs typeface="Courier New" panose="02070309020205020404" pitchFamily="49" charset="0"/>
+              </a:rPr>
+              <a:t>    &lt;sub-deployment name</a:t>
+            </a:r>
+            <a:r>
+              <a:rPr lang="en-US" sz="1400" dirty="0" smtClean="0">
+                <a:latin typeface="Courier New" panose="02070309020205020404" pitchFamily="49" charset="0"/>
+                <a:cs typeface="Courier New" panose="02070309020205020404" pitchFamily="49" charset="0"/>
+              </a:rPr>
+              <a:t>=</a:t>
+            </a:r>
+            <a:r>
+              <a:rPr lang="en-US" sz="1400" i="1" dirty="0" smtClean="0">
+                <a:latin typeface="Courier New" panose="02070309020205020404" pitchFamily="49" charset="0"/>
+                <a:cs typeface="Courier New" panose="02070309020205020404" pitchFamily="49" charset="0"/>
+              </a:rPr>
+              <a:t>“</a:t>
+            </a:r>
+            <a:r>
+              <a:rPr lang="en-US" sz="1400" b="1" i="1" dirty="0" smtClean="0">
+                <a:latin typeface="Courier New" panose="02070309020205020404" pitchFamily="49" charset="0"/>
+                <a:cs typeface="Courier New" panose="02070309020205020404" pitchFamily="49" charset="0"/>
+              </a:rPr>
+              <a:t>lec2-0.0.1.war</a:t>
+            </a:r>
+            <a:r>
+              <a:rPr lang="en-US" sz="1400" i="1" dirty="0">
+                <a:latin typeface="Courier New" panose="02070309020205020404" pitchFamily="49" charset="0"/>
+                <a:cs typeface="Courier New" panose="02070309020205020404" pitchFamily="49" charset="0"/>
+              </a:rPr>
+              <a:t>" &gt;</a:t>
+            </a:r>
+          </a:p>
+          <a:p>
+            <a:r>
+              <a:rPr lang="en-US" sz="1400" dirty="0" smtClean="0">
+                <a:latin typeface="Courier New" panose="02070309020205020404" pitchFamily="49" charset="0"/>
+                <a:cs typeface="Courier New" panose="02070309020205020404" pitchFamily="49" charset="0"/>
+              </a:rPr>
+              <a:t>      &lt;</a:t>
+            </a:r>
+            <a:r>
+              <a:rPr lang="en-US" sz="1400" dirty="0">
+                <a:latin typeface="Courier New" panose="02070309020205020404" pitchFamily="49" charset="0"/>
+                <a:cs typeface="Courier New" panose="02070309020205020404" pitchFamily="49" charset="0"/>
+              </a:rPr>
+              <a:t>exclusions&gt;</a:t>
+            </a:r>
+          </a:p>
+          <a:p>
+            <a:r>
+              <a:rPr lang="en-US" sz="1400" dirty="0">
+                <a:latin typeface="Courier New" panose="02070309020205020404" pitchFamily="49" charset="0"/>
+                <a:cs typeface="Courier New" panose="02070309020205020404" pitchFamily="49" charset="0"/>
+              </a:rPr>
+              <a:t>        </a:t>
+            </a:r>
+            <a:r>
+              <a:rPr lang="en-US" sz="1400" b="1" dirty="0">
+                <a:latin typeface="Courier New" panose="02070309020205020404" pitchFamily="49" charset="0"/>
+                <a:cs typeface="Courier New" panose="02070309020205020404" pitchFamily="49" charset="0"/>
+              </a:rPr>
+              <a:t>&lt;module name=</a:t>
+            </a:r>
+            <a:r>
+              <a:rPr lang="en-US" sz="1400" b="1" i="1" dirty="0">
+                <a:latin typeface="Courier New" panose="02070309020205020404" pitchFamily="49" charset="0"/>
+                <a:cs typeface="Courier New" panose="02070309020205020404" pitchFamily="49" charset="0"/>
+              </a:rPr>
+              <a:t>"</a:t>
+            </a:r>
+            <a:r>
+              <a:rPr lang="en-US" sz="1400" b="1" i="1" dirty="0" err="1">
+                <a:latin typeface="Courier New" panose="02070309020205020404" pitchFamily="49" charset="0"/>
+                <a:cs typeface="Courier New" panose="02070309020205020404" pitchFamily="49" charset="0"/>
+              </a:rPr>
+              <a:t>org.joda.time</a:t>
+            </a:r>
+            <a:r>
+              <a:rPr lang="en-US" sz="1400" b="1" i="1" dirty="0">
+                <a:latin typeface="Courier New" panose="02070309020205020404" pitchFamily="49" charset="0"/>
+                <a:cs typeface="Courier New" panose="02070309020205020404" pitchFamily="49" charset="0"/>
+              </a:rPr>
+              <a:t>" slot="main" /&gt;</a:t>
+            </a:r>
+          </a:p>
+          <a:p>
+            <a:r>
+              <a:rPr lang="en-US" sz="1400" dirty="0" smtClean="0">
+                <a:latin typeface="Courier New" panose="02070309020205020404" pitchFamily="49" charset="0"/>
+                <a:cs typeface="Courier New" panose="02070309020205020404" pitchFamily="49" charset="0"/>
+              </a:rPr>
+              <a:t>      &lt;/</a:t>
+            </a:r>
+            <a:r>
+              <a:rPr lang="en-US" sz="1400" dirty="0">
+                <a:latin typeface="Courier New" panose="02070309020205020404" pitchFamily="49" charset="0"/>
+                <a:cs typeface="Courier New" panose="02070309020205020404" pitchFamily="49" charset="0"/>
+              </a:rPr>
+              <a:t>exclusions&gt;</a:t>
+            </a:r>
+          </a:p>
+          <a:p>
+            <a:r>
+              <a:rPr lang="en-US" sz="1400" dirty="0">
+                <a:latin typeface="Courier New" panose="02070309020205020404" pitchFamily="49" charset="0"/>
+                <a:cs typeface="Courier New" panose="02070309020205020404" pitchFamily="49" charset="0"/>
+              </a:rPr>
+              <a:t>    &lt;/sub-deployment&gt;</a:t>
+            </a:r>
+          </a:p>
+          <a:p>
+            <a:r>
+              <a:rPr lang="en-US" sz="1400" dirty="0" smtClean="0">
+                <a:latin typeface="Courier New" panose="02070309020205020404" pitchFamily="49" charset="0"/>
+                <a:cs typeface="Courier New" panose="02070309020205020404" pitchFamily="49" charset="0"/>
+              </a:rPr>
+              <a:t>  &lt;/</a:t>
+            </a:r>
+            <a:r>
+              <a:rPr lang="en-US" sz="1400" dirty="0" err="1">
+                <a:latin typeface="Courier New" panose="02070309020205020404" pitchFamily="49" charset="0"/>
+                <a:cs typeface="Courier New" panose="02070309020205020404" pitchFamily="49" charset="0"/>
+              </a:rPr>
+              <a:t>jboss</a:t>
+            </a:r>
+            <a:r>
+              <a:rPr lang="en-US" sz="1400" dirty="0">
+                <a:latin typeface="Courier New" panose="02070309020205020404" pitchFamily="49" charset="0"/>
+                <a:cs typeface="Courier New" panose="02070309020205020404" pitchFamily="49" charset="0"/>
+              </a:rPr>
+              <a:t>-deployment-structure&gt;</a:t>
+            </a:r>
+          </a:p>
+          <a:p>
+            <a:r>
+              <a:rPr lang="en-US" sz="1400" dirty="0">
+                <a:latin typeface="Courier New" panose="02070309020205020404" pitchFamily="49" charset="0"/>
+                <a:cs typeface="Courier New" panose="02070309020205020404" pitchFamily="49" charset="0"/>
+              </a:rPr>
+              <a:t>&lt;/</a:t>
+            </a:r>
+            <a:r>
+              <a:rPr lang="en-US" sz="1400" dirty="0" err="1">
+                <a:latin typeface="Courier New" panose="02070309020205020404" pitchFamily="49" charset="0"/>
+                <a:cs typeface="Courier New" panose="02070309020205020404" pitchFamily="49" charset="0"/>
+              </a:rPr>
+              <a:t>jboss</a:t>
+            </a:r>
+            <a:r>
+              <a:rPr lang="en-US" sz="1400" dirty="0">
+                <a:latin typeface="Courier New" panose="02070309020205020404" pitchFamily="49" charset="0"/>
+                <a:cs typeface="Courier New" panose="02070309020205020404" pitchFamily="49" charset="0"/>
+              </a:rPr>
+              <a:t>&gt;</a:t>
+            </a:r>
+            <a:endParaRPr lang="en-US" sz="1400" b="1" dirty="0">
+              <a:latin typeface="Courier New" pitchFamily="49" charset="0"/>
               <a:cs typeface="Courier New" pitchFamily="49" charset="0"/>
             </a:endParaRPr>
           </a:p>
@@ -7390,7 +7570,7 @@
     </p:spTree>
     <p:extLst>
       <p:ext uri="{BB962C8B-B14F-4D97-AF65-F5344CB8AC3E}">
-        <p14:creationId xmlns:p14="http://schemas.microsoft.com/office/powerpoint/2010/main" val="3026865299"/>
+        <p14:creationId xmlns:p14="http://schemas.microsoft.com/office/powerpoint/2010/main" val="1589361930"/>
       </p:ext>
     </p:extLst>
   </p:cSld>
@@ -7891,8 +8071,8 @@
           <a:p>
             <a:pPr algn="l"/>
             <a:r>
-              <a:rPr lang="ru-RU" sz="3200" dirty="0" smtClean="0"/>
-              <a:t>Задача</a:t>
+              <a:rPr lang="en-US" sz="3200" dirty="0" smtClean="0"/>
+              <a:t>war &amp; ear</a:t>
             </a:r>
             <a:endParaRPr lang="ru-RU" sz="3200" dirty="0"/>
           </a:p>
@@ -7942,7 +8122,7 @@
         <p:spPr>
           <a:xfrm>
             <a:off x="428596" y="1000108"/>
-            <a:ext cx="8286808" cy="1754326"/>
+            <a:ext cx="8286808" cy="369332"/>
           </a:xfrm>
           <a:prstGeom prst="rect">
             <a:avLst/>
@@ -7955,6 +8135,160 @@
           </a:bodyPr>
           <a:lstStyle/>
           <a:p>
+            <a:pPr>
+              <a:buClr>
+                <a:schemeClr val="tx1">
+                  <a:lumMod val="85000"/>
+                  <a:lumOff val="15000"/>
+                </a:schemeClr>
+              </a:buClr>
+            </a:pPr>
+            <a:r>
+              <a:rPr lang="ru-RU" dirty="0" smtClean="0">
+                <a:cs typeface="Courier New" pitchFamily="49" charset="0"/>
+              </a:rPr>
+              <a:t>Примеры смотрите в </a:t>
+            </a:r>
+            <a:r>
+              <a:rPr lang="en-US" dirty="0" err="1" smtClean="0">
+                <a:cs typeface="Courier New" pitchFamily="49" charset="0"/>
+              </a:rPr>
+              <a:t>git</a:t>
+            </a:r>
+            <a:endParaRPr lang="en-US" dirty="0" smtClean="0">
+              <a:cs typeface="Courier New" pitchFamily="49" charset="0"/>
+            </a:endParaRPr>
+          </a:p>
+        </p:txBody>
+      </p:sp>
+    </p:spTree>
+    <p:extLst>
+      <p:ext uri="{BB962C8B-B14F-4D97-AF65-F5344CB8AC3E}">
+        <p14:creationId xmlns:p14="http://schemas.microsoft.com/office/powerpoint/2010/main" val="3026865299"/>
+      </p:ext>
+    </p:extLst>
+  </p:cSld>
+  <p:clrMapOvr>
+    <a:masterClrMapping/>
+  </p:clrMapOvr>
+  <p:timing>
+    <p:tnLst>
+      <p:par>
+        <p:cTn id="1" dur="indefinite" restart="never" nodeType="tmRoot"/>
+      </p:par>
+    </p:tnLst>
+  </p:timing>
+</p:sld>
+</file>
+
+<file path=ppt/slides/slide21.xml><?xml version="1.0" encoding="utf-8"?>
+<p:sld xmlns:a="http://schemas.openxmlformats.org/drawingml/2006/main" xmlns:r="http://schemas.openxmlformats.org/officeDocument/2006/relationships" xmlns:p="http://schemas.openxmlformats.org/presentationml/2006/main">
+  <p:cSld>
+    <p:spTree>
+      <p:nvGrpSpPr>
+        <p:cNvPr id="1" name=""/>
+        <p:cNvGrpSpPr/>
+        <p:nvPr/>
+      </p:nvGrpSpPr>
+      <p:grpSpPr>
+        <a:xfrm>
+          <a:off x="0" y="0"/>
+          <a:ext cx="0" cy="0"/>
+          <a:chOff x="0" y="0"/>
+          <a:chExt cx="0" cy="0"/>
+        </a:xfrm>
+      </p:grpSpPr>
+      <p:sp>
+        <p:nvSpPr>
+          <p:cNvPr id="2" name="Title 1"/>
+          <p:cNvSpPr>
+            <a:spLocks noGrp="1"/>
+          </p:cNvSpPr>
+          <p:nvPr>
+            <p:ph type="title"/>
+          </p:nvPr>
+        </p:nvSpPr>
+        <p:spPr>
+          <a:xfrm>
+            <a:off x="457200" y="274638"/>
+            <a:ext cx="8229600" cy="439718"/>
+          </a:xfrm>
+          <a:ln>
+            <a:noFill/>
+          </a:ln>
+        </p:spPr>
+        <p:txBody>
+          <a:bodyPr>
+            <a:normAutofit fontScale="90000"/>
+          </a:bodyPr>
+          <a:lstStyle/>
+          <a:p>
+            <a:pPr algn="l"/>
+            <a:r>
+              <a:rPr lang="ru-RU" sz="3200" dirty="0" smtClean="0"/>
+              <a:t>Задача</a:t>
+            </a:r>
+            <a:endParaRPr lang="ru-RU" sz="3200" dirty="0"/>
+          </a:p>
+        </p:txBody>
+      </p:sp>
+      <p:cxnSp>
+        <p:nvCxnSpPr>
+          <p:cNvPr id="7" name="Straight Connector 6"/>
+          <p:cNvCxnSpPr/>
+          <p:nvPr/>
+        </p:nvCxnSpPr>
+        <p:spPr>
+          <a:xfrm>
+            <a:off x="428596" y="714356"/>
+            <a:ext cx="8286808" cy="1588"/>
+          </a:xfrm>
+          <a:prstGeom prst="line">
+            <a:avLst/>
+          </a:prstGeom>
+          <a:ln>
+            <a:solidFill>
+              <a:schemeClr val="tx1"/>
+            </a:solidFill>
+          </a:ln>
+        </p:spPr>
+        <p:style>
+          <a:lnRef idx="1">
+            <a:schemeClr val="accent1"/>
+          </a:lnRef>
+          <a:fillRef idx="0">
+            <a:schemeClr val="accent1"/>
+          </a:fillRef>
+          <a:effectRef idx="0">
+            <a:schemeClr val="accent1"/>
+          </a:effectRef>
+          <a:fontRef idx="minor">
+            <a:schemeClr val="tx1"/>
+          </a:fontRef>
+        </p:style>
+      </p:cxnSp>
+      <p:sp>
+        <p:nvSpPr>
+          <p:cNvPr id="10" name="TextBox 9"/>
+          <p:cNvSpPr txBox="1"/>
+          <p:nvPr/>
+        </p:nvSpPr>
+        <p:spPr>
+          <a:xfrm>
+            <a:off x="428596" y="1000108"/>
+            <a:ext cx="8286808" cy="3139321"/>
+          </a:xfrm>
+          <a:prstGeom prst="rect">
+            <a:avLst/>
+          </a:prstGeom>
+          <a:noFill/>
+        </p:spPr>
+        <p:txBody>
+          <a:bodyPr wrap="square" rtlCol="0">
+            <a:spAutoFit/>
+          </a:bodyPr>
+          <a:lstStyle/>
+          <a:p>
             <a:pPr marL="342900" indent="-342900">
               <a:buAutoNum type="arabicPeriod"/>
             </a:pPr>
@@ -7962,13 +8296,25 @@
               <a:rPr lang="ru-RU" dirty="0" smtClean="0">
                 <a:cs typeface="Courier New" pitchFamily="49" charset="0"/>
               </a:rPr>
-              <a:t>Создать и настроить домен </a:t>
+              <a:t>Распаковать, запустить сервер приложени</a:t>
+            </a:r>
+            <a:r>
+              <a:rPr lang="ru-RU" dirty="0" smtClean="0">
+                <a:cs typeface="Courier New" pitchFamily="49" charset="0"/>
+              </a:rPr>
+              <a:t>й </a:t>
             </a:r>
             <a:r>
               <a:rPr lang="en-US" dirty="0" err="1" smtClean="0">
                 <a:cs typeface="Courier New" pitchFamily="49" charset="0"/>
               </a:rPr>
-              <a:t>WebLogic</a:t>
+              <a:t>WildFly</a:t>
+            </a:r>
+            <a:r>
+              <a:rPr lang="en-US" dirty="0" smtClean="0">
+                <a:cs typeface="Courier New" pitchFamily="49" charset="0"/>
+              </a:rPr>
+              <a:t> 8.2.0.Final</a:t>
             </a:r>
             <a:endParaRPr lang="ru-RU" dirty="0">
               <a:cs typeface="Courier New" pitchFamily="49" charset="0"/>
@@ -7983,20 +8329,47 @@
               <a:rPr lang="ru-RU" dirty="0" smtClean="0">
                 <a:cs typeface="Courier New" pitchFamily="49" charset="0"/>
               </a:rPr>
-              <a:t>Преобразовать ваш проект </a:t>
+              <a:t>Добавить в ваш проект два новых модуля </a:t>
             </a:r>
             <a:r>
               <a:rPr lang="en-US" dirty="0" smtClean="0">
                 <a:cs typeface="Courier New" pitchFamily="49" charset="0"/>
               </a:rPr>
-              <a:t>maven </a:t>
+              <a:t>lec2war, lec2ear </a:t>
             </a:r>
             <a:r>
               <a:rPr lang="ru-RU" dirty="0" smtClean="0">
                 <a:cs typeface="Courier New" pitchFamily="49" charset="0"/>
               </a:rPr>
-              <a:t>в многомодульный проект</a:t>
-            </a:r>
+              <a:t>типов </a:t>
+            </a:r>
+            <a:r>
+              <a:rPr lang="en-US" dirty="0" smtClean="0">
+                <a:cs typeface="Courier New" pitchFamily="49" charset="0"/>
+              </a:rPr>
+              <a:t>war </a:t>
+            </a:r>
+            <a:r>
+              <a:rPr lang="ru-RU" dirty="0" smtClean="0">
+                <a:cs typeface="Courier New" pitchFamily="49" charset="0"/>
+              </a:rPr>
+              <a:t>и </a:t>
+            </a:r>
+            <a:r>
+              <a:rPr lang="en-US" dirty="0" smtClean="0">
+                <a:cs typeface="Courier New" pitchFamily="49" charset="0"/>
+              </a:rPr>
+              <a:t>ear </a:t>
+            </a:r>
+            <a:r>
+              <a:rPr lang="ru-RU" dirty="0" smtClean="0">
+                <a:cs typeface="Courier New" pitchFamily="49" charset="0"/>
+              </a:rPr>
+              <a:t>соответственно. Настроить их надлежащим образом.</a:t>
+            </a:r>
+            <a:endParaRPr lang="ru-RU" dirty="0" smtClean="0">
+              <a:cs typeface="Courier New" pitchFamily="49" charset="0"/>
+            </a:endParaRPr>
           </a:p>
           <a:p>
             <a:pPr marL="342900" indent="-342900">
@@ -8007,19 +8380,61 @@
               <a:rPr lang="ru-RU" dirty="0" smtClean="0">
                 <a:cs typeface="Courier New" pitchFamily="49" charset="0"/>
               </a:rPr>
-              <a:t>Преобразовать проект из задания лекции 1 в </a:t>
+              <a:t>Проект </a:t>
             </a:r>
             <a:r>
               <a:rPr lang="en-US" dirty="0" smtClean="0">
                 <a:cs typeface="Courier New" pitchFamily="49" charset="0"/>
               </a:rPr>
-              <a:t>war </a:t>
+              <a:t>lec1 </a:t>
             </a:r>
             <a:r>
               <a:rPr lang="ru-RU" dirty="0" smtClean="0">
                 <a:cs typeface="Courier New" pitchFamily="49" charset="0"/>
               </a:rPr>
-              <a:t>проект</a:t>
+              <a:t>из лекции 1 подключить в качестве зависимости к </a:t>
+            </a:r>
+            <a:r>
+              <a:rPr lang="en-US" dirty="0" smtClean="0">
+                <a:cs typeface="Courier New" pitchFamily="49" charset="0"/>
+              </a:rPr>
+              <a:t>lec2war</a:t>
+            </a:r>
+            <a:r>
+              <a:rPr lang="ru-RU" dirty="0" smtClean="0">
+                <a:cs typeface="Courier New" pitchFamily="49" charset="0"/>
+              </a:rPr>
+              <a:t>, </a:t>
+            </a:r>
+            <a:r>
+              <a:rPr lang="en-US" dirty="0" smtClean="0">
+                <a:cs typeface="Courier New" pitchFamily="49" charset="0"/>
+              </a:rPr>
+              <a:t>beans.xml </a:t>
+            </a:r>
+            <a:r>
+              <a:rPr lang="ru-RU" dirty="0" smtClean="0">
+                <a:cs typeface="Courier New" pitchFamily="49" charset="0"/>
+              </a:rPr>
+              <a:t>перенести в </a:t>
+            </a:r>
+            <a:r>
+              <a:rPr lang="en-US" dirty="0" err="1" smtClean="0">
+                <a:cs typeface="Courier New" pitchFamily="49" charset="0"/>
+              </a:rPr>
+              <a:t>src</a:t>
+            </a:r>
+            <a:r>
+              <a:rPr lang="en-US" dirty="0" smtClean="0">
+                <a:cs typeface="Courier New" pitchFamily="49" charset="0"/>
+              </a:rPr>
+              <a:t>/main/resources war </a:t>
+            </a:r>
+            <a:r>
+              <a:rPr lang="ru-RU" dirty="0" smtClean="0">
+                <a:cs typeface="Courier New" pitchFamily="49" charset="0"/>
+              </a:rPr>
+              <a:t>проекта.</a:t>
             </a:r>
           </a:p>
           <a:p>
@@ -8031,37 +8446,67 @@
               <a:rPr lang="ru-RU" dirty="0" smtClean="0">
                 <a:cs typeface="Courier New" pitchFamily="49" charset="0"/>
               </a:rPr>
-              <a:t>Создать проект </a:t>
+              <a:t>Работу, которую вы делали в методе </a:t>
             </a:r>
             <a:r>
               <a:rPr lang="en-US" dirty="0" smtClean="0">
                 <a:cs typeface="Courier New" pitchFamily="49" charset="0"/>
               </a:rPr>
-              <a:t>&lt;</a:t>
+              <a:t>main </a:t>
             </a:r>
             <a:r>
               <a:rPr lang="ru-RU" dirty="0" smtClean="0">
                 <a:cs typeface="Courier New" pitchFamily="49" charset="0"/>
               </a:rPr>
-              <a:t>имя проекта</a:t>
+              <a:t>основного класса перенести в </a:t>
+            </a:r>
+            <a:r>
+              <a:rPr lang="en-US" dirty="0" err="1" smtClean="0">
+                <a:cs typeface="Courier New" pitchFamily="49" charset="0"/>
+              </a:rPr>
+              <a:t>init</a:t>
+            </a:r>
+            <a:r>
+              <a:rPr lang="ru-RU" dirty="0" smtClean="0">
+                <a:cs typeface="Courier New" pitchFamily="49" charset="0"/>
+              </a:rPr>
+              <a:t> метод специального класса. Воспользовавшись </a:t>
+            </a:r>
+            <a:r>
+              <a:rPr lang="en-US" dirty="0" err="1" smtClean="0">
+                <a:cs typeface="Courier New" pitchFamily="49" charset="0"/>
+              </a:rPr>
+              <a:t>init</a:t>
             </a:r>
             <a:r>
               <a:rPr lang="en-US" dirty="0" smtClean="0">
                 <a:cs typeface="Courier New" pitchFamily="49" charset="0"/>
               </a:rPr>
-              <a:t>&gt;-deploy</a:t>
+              <a:t>-method </a:t>
             </a:r>
             <a:r>
               <a:rPr lang="ru-RU" dirty="0" smtClean="0">
                 <a:cs typeface="Courier New" pitchFamily="49" charset="0"/>
               </a:rPr>
-              <a:t>, тип </a:t>
+              <a:t>атрибутом при определении </a:t>
             </a:r>
             <a:r>
               <a:rPr lang="en-US" dirty="0" smtClean="0">
                 <a:cs typeface="Courier New" pitchFamily="49" charset="0"/>
               </a:rPr>
-              <a:t>ear</a:t>
+              <a:t>bean </a:t>
+            </a:r>
+            <a:r>
+              <a:rPr lang="ru-RU" dirty="0" smtClean="0">
+                <a:cs typeface="Courier New" pitchFamily="49" charset="0"/>
+              </a:rPr>
+              <a:t>в контексте </a:t>
+            </a:r>
+            <a:r>
+              <a:rPr lang="en-US" dirty="0" smtClean="0">
+                <a:cs typeface="Courier New" pitchFamily="49" charset="0"/>
+              </a:rPr>
+              <a:t>Spring</a:t>
             </a:r>
             <a:endParaRPr lang="ru-RU" dirty="0" smtClean="0">
               <a:cs typeface="Courier New" pitchFamily="49" charset="0"/>
@@ -8091,35 +8536,62 @@
               <a:t>вашего проекта на </a:t>
             </a:r>
             <a:r>
+              <a:rPr lang="ru-RU" dirty="0" smtClean="0">
+                <a:cs typeface="Courier New" pitchFamily="49" charset="0"/>
+              </a:rPr>
+              <a:t>сервер приложений</a:t>
+            </a:r>
+            <a:r>
+              <a:rPr lang="en-US" dirty="0" smtClean="0">
+                <a:cs typeface="Courier New" pitchFamily="49" charset="0"/>
+              </a:rPr>
+              <a:t> </a:t>
+            </a:r>
+            <a:r>
               <a:rPr lang="en-US" dirty="0" err="1" smtClean="0">
                 <a:cs typeface="Courier New" pitchFamily="49" charset="0"/>
               </a:rPr>
-              <a:t>ApplicationServer</a:t>
+              <a:t>WildFly</a:t>
+            </a:r>
+            <a:r>
+              <a:rPr lang="ru-RU" dirty="0" smtClean="0">
+                <a:cs typeface="Courier New" pitchFamily="49" charset="0"/>
+              </a:rPr>
+              <a:t> развернутый на шаге 1</a:t>
             </a:r>
             <a:r>
               <a:rPr lang="en-US" dirty="0" smtClean="0">
                 <a:cs typeface="Courier New" pitchFamily="49" charset="0"/>
               </a:rPr>
-              <a:t> </a:t>
-            </a:r>
-            <a:r>
-              <a:rPr lang="en-US" dirty="0" err="1" smtClean="0">
-                <a:cs typeface="Courier New" pitchFamily="49" charset="0"/>
-              </a:rPr>
-              <a:t>WebLogic</a:t>
+              <a:t>. </a:t>
+            </a:r>
+            <a:r>
+              <a:rPr lang="ru-RU" dirty="0" smtClean="0">
+                <a:cs typeface="Courier New" pitchFamily="49" charset="0"/>
+              </a:rPr>
+              <a:t>Проверить что действие выполняется проверив журнал </a:t>
             </a:r>
             <a:r>
               <a:rPr lang="en-US" dirty="0" smtClean="0">
                 <a:cs typeface="Courier New" pitchFamily="49" charset="0"/>
               </a:rPr>
-              <a:t> </a:t>
+              <a:t>server.log </a:t>
             </a:r>
             <a:r>
               <a:rPr lang="ru-RU" dirty="0" smtClean="0">
                 <a:cs typeface="Courier New" pitchFamily="49" charset="0"/>
               </a:rPr>
-              <a:t>в ваш созданный домен</a:t>
-            </a:r>
+              <a:t>на наличие в </a:t>
+            </a:r>
+            <a:r>
+              <a:rPr lang="ru-RU" smtClean="0">
+                <a:cs typeface="Courier New" pitchFamily="49" charset="0"/>
+              </a:rPr>
+              <a:t>нем записей</a:t>
+            </a:r>
+            <a:endParaRPr lang="ru-RU" dirty="0" smtClean="0">
+              <a:cs typeface="Courier New" pitchFamily="49" charset="0"/>
+            </a:endParaRPr>
           </a:p>
         </p:txBody>
       </p:sp>
@@ -8586,18 +9058,7 @@
                   </a:schemeClr>
                 </a:solidFill>
               </a:rPr>
-              <a:t>проводится </a:t>
-            </a:r>
-            <a:r>
-              <a:rPr lang="ru-RU" smtClean="0">
-                <a:solidFill>
-                  <a:schemeClr val="tx1">
-                    <a:lumMod val="85000"/>
-                    <a:lumOff val="15000"/>
-                  </a:schemeClr>
-                </a:solidFill>
-              </a:rPr>
-              <a:t>управление </a:t>
+              <a:t>проводится управление </a:t>
             </a:r>
             <a:r>
               <a:rPr lang="ru-RU" dirty="0" smtClean="0">
